--- a/Python Computer Vision 03-17-17/OpenCV.pptx
+++ b/Python Computer Vision 03-17-17/OpenCV.pptx
@@ -13,7 +13,8 @@
     <p:sldId id="263" r:id="rId7"/>
     <p:sldId id="265" r:id="rId8"/>
     <p:sldId id="266" r:id="rId9"/>
-    <p:sldId id="257" r:id="rId10"/>
+    <p:sldId id="267" r:id="rId10"/>
+    <p:sldId id="257" r:id="rId11"/>
   </p:sldIdLst>
   <p:sldSz cx="12192000" cy="6858000"/>
   <p:notesSz cx="6858000" cy="9144000"/>
@@ -177,7 +178,7 @@
           <a:noFill/>
           <a:extLst>
             <a:ext uri="{909E8E84-426E-40dd-AFC4-6F175D3DCCD1}">
-              <a14:hiddenFill xmlns="" xmlns:a14="http://schemas.microsoft.com/office/drawing/2010/main">
+              <a14:hiddenFill xmlns:a14="http://schemas.microsoft.com/office/drawing/2010/main" xmlns="">
                 <a:solidFill>
                   <a:srgbClr val="FFFFFF"/>
                 </a:solidFill>
@@ -236,7 +237,7 @@
             </a:ln>
             <a:extLst>
               <a:ext uri="{91240B29-F687-4f45-9708-019B960494DF}">
-                <a14:hiddenLine xmlns="" xmlns:a14="http://schemas.microsoft.com/office/drawing/2010/main" w="9525">
+                <a14:hiddenLine xmlns:a14="http://schemas.microsoft.com/office/drawing/2010/main" xmlns="" w="9525">
                   <a:solidFill>
                     <a:srgbClr val="000000"/>
                   </a:solidFill>
@@ -326,7 +327,7 @@
             </a:ln>
             <a:extLst>
               <a:ext uri="{91240B29-F687-4f45-9708-019B960494DF}">
-                <a14:hiddenLine xmlns="" xmlns:a14="http://schemas.microsoft.com/office/drawing/2010/main" w="9525">
+                <a14:hiddenLine xmlns:a14="http://schemas.microsoft.com/office/drawing/2010/main" xmlns="" w="9525">
                   <a:solidFill>
                     <a:srgbClr val="000000"/>
                   </a:solidFill>
@@ -416,7 +417,7 @@
             </a:ln>
             <a:extLst>
               <a:ext uri="{91240B29-F687-4f45-9708-019B960494DF}">
-                <a14:hiddenLine xmlns="" xmlns:a14="http://schemas.microsoft.com/office/drawing/2010/main" w="9525">
+                <a14:hiddenLine xmlns:a14="http://schemas.microsoft.com/office/drawing/2010/main" xmlns="" w="9525">
                   <a:solidFill>
                     <a:srgbClr val="000000"/>
                   </a:solidFill>
@@ -450,7 +451,7 @@
             </a:ln>
             <a:extLst>
               <a:ext uri="{91240B29-F687-4f45-9708-019B960494DF}">
-                <a14:hiddenLine xmlns="" xmlns:a14="http://schemas.microsoft.com/office/drawing/2010/main" w="9525">
+                <a14:hiddenLine xmlns:a14="http://schemas.microsoft.com/office/drawing/2010/main" xmlns="" w="9525">
                   <a:solidFill>
                     <a:srgbClr val="000000"/>
                   </a:solidFill>
@@ -540,7 +541,7 @@
             </a:ln>
             <a:extLst>
               <a:ext uri="{91240B29-F687-4f45-9708-019B960494DF}">
-                <a14:hiddenLine xmlns="" xmlns:a14="http://schemas.microsoft.com/office/drawing/2010/main" w="9525">
+                <a14:hiddenLine xmlns:a14="http://schemas.microsoft.com/office/drawing/2010/main" xmlns="" w="9525">
                   <a:solidFill>
                     <a:srgbClr val="000000"/>
                   </a:solidFill>
@@ -602,7 +603,7 @@
             </a:ln>
             <a:extLst>
               <a:ext uri="{91240B29-F687-4f45-9708-019B960494DF}">
-                <a14:hiddenLine xmlns="" xmlns:a14="http://schemas.microsoft.com/office/drawing/2010/main" w="9525">
+                <a14:hiddenLine xmlns:a14="http://schemas.microsoft.com/office/drawing/2010/main" xmlns="" w="9525">
                   <a:solidFill>
                     <a:srgbClr val="000000"/>
                   </a:solidFill>
@@ -664,7 +665,7 @@
             </a:ln>
             <a:extLst>
               <a:ext uri="{91240B29-F687-4f45-9708-019B960494DF}">
-                <a14:hiddenLine xmlns="" xmlns:a14="http://schemas.microsoft.com/office/drawing/2010/main" w="9525">
+                <a14:hiddenLine xmlns:a14="http://schemas.microsoft.com/office/drawing/2010/main" xmlns="" w="9525">
                   <a:solidFill>
                     <a:srgbClr val="000000"/>
                   </a:solidFill>
@@ -754,7 +755,7 @@
             </a:ln>
             <a:extLst>
               <a:ext uri="{91240B29-F687-4f45-9708-019B960494DF}">
-                <a14:hiddenLine xmlns="" xmlns:a14="http://schemas.microsoft.com/office/drawing/2010/main" w="9525">
+                <a14:hiddenLine xmlns:a14="http://schemas.microsoft.com/office/drawing/2010/main" xmlns="" w="9525">
                   <a:solidFill>
                     <a:srgbClr val="000000"/>
                   </a:solidFill>
@@ -816,7 +817,7 @@
             </a:ln>
             <a:extLst>
               <a:ext uri="{91240B29-F687-4f45-9708-019B960494DF}">
-                <a14:hiddenLine xmlns="" xmlns:a14="http://schemas.microsoft.com/office/drawing/2010/main" w="9525">
+                <a14:hiddenLine xmlns:a14="http://schemas.microsoft.com/office/drawing/2010/main" xmlns="" w="9525">
                   <a:solidFill>
                     <a:srgbClr val="000000"/>
                   </a:solidFill>
@@ -878,7 +879,7 @@
             </a:ln>
             <a:extLst>
               <a:ext uri="{91240B29-F687-4f45-9708-019B960494DF}">
-                <a14:hiddenLine xmlns="" xmlns:a14="http://schemas.microsoft.com/office/drawing/2010/main" w="9525">
+                <a14:hiddenLine xmlns:a14="http://schemas.microsoft.com/office/drawing/2010/main" xmlns="" w="9525">
                   <a:solidFill>
                     <a:srgbClr val="000000"/>
                   </a:solidFill>
@@ -968,7 +969,7 @@
             </a:ln>
             <a:extLst>
               <a:ext uri="{91240B29-F687-4f45-9708-019B960494DF}">
-                <a14:hiddenLine xmlns="" xmlns:a14="http://schemas.microsoft.com/office/drawing/2010/main" w="9525">
+                <a14:hiddenLine xmlns:a14="http://schemas.microsoft.com/office/drawing/2010/main" xmlns="" w="9525">
                   <a:solidFill>
                     <a:srgbClr val="000000"/>
                   </a:solidFill>
@@ -1058,7 +1059,7 @@
             </a:ln>
             <a:extLst>
               <a:ext uri="{91240B29-F687-4f45-9708-019B960494DF}">
-                <a14:hiddenLine xmlns="" xmlns:a14="http://schemas.microsoft.com/office/drawing/2010/main" w="9525">
+                <a14:hiddenLine xmlns:a14="http://schemas.microsoft.com/office/drawing/2010/main" xmlns="" w="9525">
                   <a:solidFill>
                     <a:srgbClr val="000000"/>
                   </a:solidFill>
@@ -1120,7 +1121,7 @@
             </a:ln>
             <a:extLst>
               <a:ext uri="{91240B29-F687-4f45-9708-019B960494DF}">
-                <a14:hiddenLine xmlns="" xmlns:a14="http://schemas.microsoft.com/office/drawing/2010/main" w="9525">
+                <a14:hiddenLine xmlns:a14="http://schemas.microsoft.com/office/drawing/2010/main" xmlns="" w="9525">
                   <a:solidFill>
                     <a:srgbClr val="000000"/>
                   </a:solidFill>
@@ -1230,7 +1231,7 @@
             </a:ln>
             <a:extLst>
               <a:ext uri="{91240B29-F687-4f45-9708-019B960494DF}">
-                <a14:hiddenLine xmlns="" xmlns:a14="http://schemas.microsoft.com/office/drawing/2010/main" w="9525">
+                <a14:hiddenLine xmlns:a14="http://schemas.microsoft.com/office/drawing/2010/main" xmlns="" w="9525">
                   <a:solidFill>
                     <a:srgbClr val="000000"/>
                   </a:solidFill>
@@ -1292,7 +1293,7 @@
             </a:ln>
             <a:extLst>
               <a:ext uri="{91240B29-F687-4f45-9708-019B960494DF}">
-                <a14:hiddenLine xmlns="" xmlns:a14="http://schemas.microsoft.com/office/drawing/2010/main" w="9525">
+                <a14:hiddenLine xmlns:a14="http://schemas.microsoft.com/office/drawing/2010/main" xmlns="" w="9525">
                   <a:solidFill>
                     <a:srgbClr val="000000"/>
                   </a:solidFill>
@@ -1382,7 +1383,7 @@
             </a:ln>
             <a:extLst>
               <a:ext uri="{91240B29-F687-4f45-9708-019B960494DF}">
-                <a14:hiddenLine xmlns="" xmlns:a14="http://schemas.microsoft.com/office/drawing/2010/main" w="9525">
+                <a14:hiddenLine xmlns:a14="http://schemas.microsoft.com/office/drawing/2010/main" xmlns="" w="9525">
                   <a:solidFill>
                     <a:srgbClr val="000000"/>
                   </a:solidFill>
@@ -1472,7 +1473,7 @@
             </a:ln>
             <a:extLst>
               <a:ext uri="{91240B29-F687-4f45-9708-019B960494DF}">
-                <a14:hiddenLine xmlns="" xmlns:a14="http://schemas.microsoft.com/office/drawing/2010/main" w="9525">
+                <a14:hiddenLine xmlns:a14="http://schemas.microsoft.com/office/drawing/2010/main" xmlns="" w="9525">
                   <a:solidFill>
                     <a:srgbClr val="000000"/>
                   </a:solidFill>
@@ -1534,7 +1535,7 @@
             </a:ln>
             <a:extLst>
               <a:ext uri="{91240B29-F687-4f45-9708-019B960494DF}">
-                <a14:hiddenLine xmlns="" xmlns:a14="http://schemas.microsoft.com/office/drawing/2010/main" w="9525">
+                <a14:hiddenLine xmlns:a14="http://schemas.microsoft.com/office/drawing/2010/main" xmlns="" w="9525">
                   <a:solidFill>
                     <a:srgbClr val="000000"/>
                   </a:solidFill>
@@ -1624,7 +1625,7 @@
             </a:ln>
             <a:extLst>
               <a:ext uri="{91240B29-F687-4f45-9708-019B960494DF}">
-                <a14:hiddenLine xmlns="" xmlns:a14="http://schemas.microsoft.com/office/drawing/2010/main" w="9525">
+                <a14:hiddenLine xmlns:a14="http://schemas.microsoft.com/office/drawing/2010/main" xmlns="" w="9525">
                   <a:solidFill>
                     <a:srgbClr val="000000"/>
                   </a:solidFill>
@@ -1714,7 +1715,7 @@
             </a:ln>
             <a:extLst>
               <a:ext uri="{91240B29-F687-4f45-9708-019B960494DF}">
-                <a14:hiddenLine xmlns="" xmlns:a14="http://schemas.microsoft.com/office/drawing/2010/main" w="9525">
+                <a14:hiddenLine xmlns:a14="http://schemas.microsoft.com/office/drawing/2010/main" xmlns="" w="9525">
                   <a:solidFill>
                     <a:srgbClr val="000000"/>
                   </a:solidFill>
@@ -1770,7 +1771,7 @@
             </a:ln>
             <a:extLst>
               <a:ext uri="{91240B29-F687-4f45-9708-019B960494DF}">
-                <a14:hiddenLine xmlns="" xmlns:a14="http://schemas.microsoft.com/office/drawing/2010/main" w="9525">
+                <a14:hiddenLine xmlns:a14="http://schemas.microsoft.com/office/drawing/2010/main" xmlns="" w="9525">
                   <a:solidFill>
                     <a:srgbClr val="000000"/>
                   </a:solidFill>
@@ -1860,7 +1861,7 @@
             </a:ln>
             <a:extLst>
               <a:ext uri="{91240B29-F687-4f45-9708-019B960494DF}">
-                <a14:hiddenLine xmlns="" xmlns:a14="http://schemas.microsoft.com/office/drawing/2010/main" w="9525">
+                <a14:hiddenLine xmlns:a14="http://schemas.microsoft.com/office/drawing/2010/main" xmlns="" w="9525">
                   <a:solidFill>
                     <a:srgbClr val="000000"/>
                   </a:solidFill>
@@ -1916,7 +1917,7 @@
             </a:ln>
             <a:extLst>
               <a:ext uri="{91240B29-F687-4f45-9708-019B960494DF}">
-                <a14:hiddenLine xmlns="" xmlns:a14="http://schemas.microsoft.com/office/drawing/2010/main" w="9525">
+                <a14:hiddenLine xmlns:a14="http://schemas.microsoft.com/office/drawing/2010/main" xmlns="" w="9525">
                   <a:solidFill>
                     <a:srgbClr val="000000"/>
                   </a:solidFill>
@@ -2006,7 +2007,7 @@
             </a:ln>
             <a:extLst>
               <a:ext uri="{91240B29-F687-4f45-9708-019B960494DF}">
-                <a14:hiddenLine xmlns="" xmlns:a14="http://schemas.microsoft.com/office/drawing/2010/main" w="9525">
+                <a14:hiddenLine xmlns:a14="http://schemas.microsoft.com/office/drawing/2010/main" xmlns="" w="9525">
                   <a:solidFill>
                     <a:srgbClr val="000000"/>
                   </a:solidFill>
@@ -2074,7 +2075,7 @@
             </a:ln>
             <a:extLst>
               <a:ext uri="{91240B29-F687-4f45-9708-019B960494DF}">
-                <a14:hiddenLine xmlns="" xmlns:a14="http://schemas.microsoft.com/office/drawing/2010/main" w="9525">
+                <a14:hiddenLine xmlns:a14="http://schemas.microsoft.com/office/drawing/2010/main" xmlns="" w="9525">
                   <a:solidFill>
                     <a:srgbClr val="000000"/>
                   </a:solidFill>
@@ -2164,7 +2165,7 @@
             </a:ln>
             <a:extLst>
               <a:ext uri="{91240B29-F687-4f45-9708-019B960494DF}">
-                <a14:hiddenLine xmlns="" xmlns:a14="http://schemas.microsoft.com/office/drawing/2010/main" w="9525">
+                <a14:hiddenLine xmlns:a14="http://schemas.microsoft.com/office/drawing/2010/main" xmlns="" w="9525">
                   <a:solidFill>
                     <a:srgbClr val="000000"/>
                   </a:solidFill>
@@ -2232,7 +2233,7 @@
             </a:ln>
             <a:extLst>
               <a:ext uri="{91240B29-F687-4f45-9708-019B960494DF}">
-                <a14:hiddenLine xmlns="" xmlns:a14="http://schemas.microsoft.com/office/drawing/2010/main" w="9525">
+                <a14:hiddenLine xmlns:a14="http://schemas.microsoft.com/office/drawing/2010/main" xmlns="" w="9525">
                   <a:solidFill>
                     <a:srgbClr val="000000"/>
                   </a:solidFill>
@@ -2322,7 +2323,7 @@
             </a:ln>
             <a:extLst>
               <a:ext uri="{91240B29-F687-4f45-9708-019B960494DF}">
-                <a14:hiddenLine xmlns="" xmlns:a14="http://schemas.microsoft.com/office/drawing/2010/main" w="9525">
+                <a14:hiddenLine xmlns:a14="http://schemas.microsoft.com/office/drawing/2010/main" xmlns="" w="9525">
                   <a:solidFill>
                     <a:srgbClr val="000000"/>
                   </a:solidFill>
@@ -2356,7 +2357,7 @@
             </a:ln>
             <a:extLst>
               <a:ext uri="{91240B29-F687-4f45-9708-019B960494DF}">
-                <a14:hiddenLine xmlns="" xmlns:a14="http://schemas.microsoft.com/office/drawing/2010/main" w="9525">
+                <a14:hiddenLine xmlns:a14="http://schemas.microsoft.com/office/drawing/2010/main" xmlns="" w="9525">
                   <a:solidFill>
                     <a:srgbClr val="000000"/>
                   </a:solidFill>
@@ -2446,7 +2447,7 @@
             </a:ln>
             <a:extLst>
               <a:ext uri="{91240B29-F687-4f45-9708-019B960494DF}">
-                <a14:hiddenLine xmlns="" xmlns:a14="http://schemas.microsoft.com/office/drawing/2010/main" w="9525">
+                <a14:hiddenLine xmlns:a14="http://schemas.microsoft.com/office/drawing/2010/main" xmlns="" w="9525">
                   <a:solidFill>
                     <a:srgbClr val="000000"/>
                   </a:solidFill>
@@ -2508,7 +2509,7 @@
             </a:ln>
             <a:extLst>
               <a:ext uri="{91240B29-F687-4f45-9708-019B960494DF}">
-                <a14:hiddenLine xmlns="" xmlns:a14="http://schemas.microsoft.com/office/drawing/2010/main" w="9525">
+                <a14:hiddenLine xmlns:a14="http://schemas.microsoft.com/office/drawing/2010/main" xmlns="" w="9525">
                   <a:solidFill>
                     <a:srgbClr val="000000"/>
                   </a:solidFill>
@@ -2570,7 +2571,7 @@
             </a:ln>
             <a:extLst>
               <a:ext uri="{91240B29-F687-4f45-9708-019B960494DF}">
-                <a14:hiddenLine xmlns="" xmlns:a14="http://schemas.microsoft.com/office/drawing/2010/main" w="9525">
+                <a14:hiddenLine xmlns:a14="http://schemas.microsoft.com/office/drawing/2010/main" xmlns="" w="9525">
                   <a:solidFill>
                     <a:srgbClr val="000000"/>
                   </a:solidFill>
@@ -2660,7 +2661,7 @@
             </a:ln>
             <a:extLst>
               <a:ext uri="{91240B29-F687-4f45-9708-019B960494DF}">
-                <a14:hiddenLine xmlns="" xmlns:a14="http://schemas.microsoft.com/office/drawing/2010/main" w="9525">
+                <a14:hiddenLine xmlns:a14="http://schemas.microsoft.com/office/drawing/2010/main" xmlns="" w="9525">
                   <a:solidFill>
                     <a:srgbClr val="000000"/>
                   </a:solidFill>
@@ -2728,7 +2729,7 @@
             </a:ln>
             <a:extLst>
               <a:ext uri="{91240B29-F687-4f45-9708-019B960494DF}">
-                <a14:hiddenLine xmlns="" xmlns:a14="http://schemas.microsoft.com/office/drawing/2010/main" w="9525">
+                <a14:hiddenLine xmlns:a14="http://schemas.microsoft.com/office/drawing/2010/main" xmlns="" w="9525">
                   <a:solidFill>
                     <a:srgbClr val="000000"/>
                   </a:solidFill>
@@ -2790,7 +2791,7 @@
             </a:ln>
             <a:extLst>
               <a:ext uri="{91240B29-F687-4f45-9708-019B960494DF}">
-                <a14:hiddenLine xmlns="" xmlns:a14="http://schemas.microsoft.com/office/drawing/2010/main" w="9525">
+                <a14:hiddenLine xmlns:a14="http://schemas.microsoft.com/office/drawing/2010/main" xmlns="" w="9525">
                   <a:solidFill>
                     <a:srgbClr val="000000"/>
                   </a:solidFill>
@@ -2880,7 +2881,7 @@
             </a:ln>
             <a:extLst>
               <a:ext uri="{91240B29-F687-4f45-9708-019B960494DF}">
-                <a14:hiddenLine xmlns="" xmlns:a14="http://schemas.microsoft.com/office/drawing/2010/main" w="9525">
+                <a14:hiddenLine xmlns:a14="http://schemas.microsoft.com/office/drawing/2010/main" xmlns="" w="9525">
                   <a:solidFill>
                     <a:srgbClr val="000000"/>
                   </a:solidFill>
@@ -2942,7 +2943,7 @@
             </a:ln>
             <a:extLst>
               <a:ext uri="{91240B29-F687-4f45-9708-019B960494DF}">
-                <a14:hiddenLine xmlns="" xmlns:a14="http://schemas.microsoft.com/office/drawing/2010/main" w="9525">
+                <a14:hiddenLine xmlns:a14="http://schemas.microsoft.com/office/drawing/2010/main" xmlns="" w="9525">
                   <a:solidFill>
                     <a:srgbClr val="000000"/>
                   </a:solidFill>
@@ -3032,7 +3033,7 @@
             </a:ln>
             <a:extLst>
               <a:ext uri="{91240B29-F687-4f45-9708-019B960494DF}">
-                <a14:hiddenLine xmlns="" xmlns:a14="http://schemas.microsoft.com/office/drawing/2010/main" w="9525">
+                <a14:hiddenLine xmlns:a14="http://schemas.microsoft.com/office/drawing/2010/main" xmlns="" w="9525">
                   <a:solidFill>
                     <a:srgbClr val="000000"/>
                   </a:solidFill>
@@ -3094,7 +3095,7 @@
             </a:ln>
             <a:extLst>
               <a:ext uri="{91240B29-F687-4f45-9708-019B960494DF}">
-                <a14:hiddenLine xmlns="" xmlns:a14="http://schemas.microsoft.com/office/drawing/2010/main" w="9525">
+                <a14:hiddenLine xmlns:a14="http://schemas.microsoft.com/office/drawing/2010/main" xmlns="" w="9525">
                   <a:solidFill>
                     <a:srgbClr val="000000"/>
                   </a:solidFill>
@@ -3184,7 +3185,7 @@
             </a:ln>
             <a:extLst>
               <a:ext uri="{91240B29-F687-4f45-9708-019B960494DF}">
-                <a14:hiddenLine xmlns="" xmlns:a14="http://schemas.microsoft.com/office/drawing/2010/main" w="9525">
+                <a14:hiddenLine xmlns:a14="http://schemas.microsoft.com/office/drawing/2010/main" xmlns="" w="9525">
                   <a:solidFill>
                     <a:srgbClr val="000000"/>
                   </a:solidFill>
@@ -3218,7 +3219,7 @@
             </a:ln>
             <a:extLst>
               <a:ext uri="{91240B29-F687-4f45-9708-019B960494DF}">
-                <a14:hiddenLine xmlns="" xmlns:a14="http://schemas.microsoft.com/office/drawing/2010/main" w="9525">
+                <a14:hiddenLine xmlns:a14="http://schemas.microsoft.com/office/drawing/2010/main" xmlns="" w="9525">
                   <a:solidFill>
                     <a:srgbClr val="000000"/>
                   </a:solidFill>
@@ -3283,7 +3284,7 @@
             </a:ln>
             <a:extLst>
               <a:ext uri="{91240B29-F687-4f45-9708-019B960494DF}">
-                <a14:hiddenLine xmlns="" xmlns:a14="http://schemas.microsoft.com/office/drawing/2010/main" w="9525">
+                <a14:hiddenLine xmlns:a14="http://schemas.microsoft.com/office/drawing/2010/main" xmlns="" w="9525">
                   <a:solidFill>
                     <a:srgbClr val="000000"/>
                   </a:solidFill>
@@ -3373,7 +3374,7 @@
             </a:ln>
             <a:extLst>
               <a:ext uri="{91240B29-F687-4f45-9708-019B960494DF}">
-                <a14:hiddenLine xmlns="" xmlns:a14="http://schemas.microsoft.com/office/drawing/2010/main" w="9525">
+                <a14:hiddenLine xmlns:a14="http://schemas.microsoft.com/office/drawing/2010/main" xmlns="" w="9525">
                   <a:solidFill>
                     <a:srgbClr val="000000"/>
                   </a:solidFill>
@@ -3435,7 +3436,7 @@
             </a:ln>
             <a:extLst>
               <a:ext uri="{91240B29-F687-4f45-9708-019B960494DF}">
-                <a14:hiddenLine xmlns="" xmlns:a14="http://schemas.microsoft.com/office/drawing/2010/main" w="9525">
+                <a14:hiddenLine xmlns:a14="http://schemas.microsoft.com/office/drawing/2010/main" xmlns="" w="9525">
                   <a:solidFill>
                     <a:srgbClr val="000000"/>
                   </a:solidFill>
@@ -3525,7 +3526,7 @@
             </a:ln>
             <a:extLst>
               <a:ext uri="{91240B29-F687-4f45-9708-019B960494DF}">
-                <a14:hiddenLine xmlns="" xmlns:a14="http://schemas.microsoft.com/office/drawing/2010/main" w="9525">
+                <a14:hiddenLine xmlns:a14="http://schemas.microsoft.com/office/drawing/2010/main" xmlns="" w="9525">
                   <a:solidFill>
                     <a:srgbClr val="000000"/>
                   </a:solidFill>
@@ -3615,7 +3616,7 @@
             </a:ln>
             <a:extLst>
               <a:ext uri="{91240B29-F687-4f45-9708-019B960494DF}">
-                <a14:hiddenLine xmlns="" xmlns:a14="http://schemas.microsoft.com/office/drawing/2010/main" w="9525">
+                <a14:hiddenLine xmlns:a14="http://schemas.microsoft.com/office/drawing/2010/main" xmlns="" w="9525">
                   <a:solidFill>
                     <a:srgbClr val="000000"/>
                   </a:solidFill>
@@ -3680,7 +3681,7 @@
             </a:ln>
             <a:extLst>
               <a:ext uri="{91240B29-F687-4f45-9708-019B960494DF}">
-                <a14:hiddenLine xmlns="" xmlns:a14="http://schemas.microsoft.com/office/drawing/2010/main" w="9525">
+                <a14:hiddenLine xmlns:a14="http://schemas.microsoft.com/office/drawing/2010/main" xmlns="" w="9525">
                   <a:solidFill>
                     <a:srgbClr val="000000"/>
                   </a:solidFill>
@@ -3742,7 +3743,7 @@
             </a:ln>
             <a:extLst>
               <a:ext uri="{91240B29-F687-4f45-9708-019B960494DF}">
-                <a14:hiddenLine xmlns="" xmlns:a14="http://schemas.microsoft.com/office/drawing/2010/main" w="9525">
+                <a14:hiddenLine xmlns:a14="http://schemas.microsoft.com/office/drawing/2010/main" xmlns="" w="9525">
                   <a:solidFill>
                     <a:srgbClr val="000000"/>
                   </a:solidFill>
@@ -3832,7 +3833,7 @@
             </a:ln>
             <a:extLst>
               <a:ext uri="{91240B29-F687-4f45-9708-019B960494DF}">
-                <a14:hiddenLine xmlns="" xmlns:a14="http://schemas.microsoft.com/office/drawing/2010/main" w="9525">
+                <a14:hiddenLine xmlns:a14="http://schemas.microsoft.com/office/drawing/2010/main" xmlns="" w="9525">
                   <a:solidFill>
                     <a:srgbClr val="000000"/>
                   </a:solidFill>
@@ -3922,7 +3923,7 @@
             </a:ln>
             <a:extLst>
               <a:ext uri="{91240B29-F687-4f45-9708-019B960494DF}">
-                <a14:hiddenLine xmlns="" xmlns:a14="http://schemas.microsoft.com/office/drawing/2010/main" w="9525">
+                <a14:hiddenLine xmlns:a14="http://schemas.microsoft.com/office/drawing/2010/main" xmlns="" w="9525">
                   <a:solidFill>
                     <a:srgbClr val="000000"/>
                   </a:solidFill>
@@ -3984,7 +3985,7 @@
             </a:ln>
             <a:extLst>
               <a:ext uri="{91240B29-F687-4f45-9708-019B960494DF}">
-                <a14:hiddenLine xmlns="" xmlns:a14="http://schemas.microsoft.com/office/drawing/2010/main" w="9525">
+                <a14:hiddenLine xmlns:a14="http://schemas.microsoft.com/office/drawing/2010/main" xmlns="" w="9525">
                   <a:solidFill>
                     <a:srgbClr val="000000"/>
                   </a:solidFill>
@@ -4104,7 +4105,7 @@
             </a:ln>
             <a:extLst>
               <a:ext uri="{91240B29-F687-4f45-9708-019B960494DF}">
-                <a14:hiddenLine xmlns="" xmlns:a14="http://schemas.microsoft.com/office/drawing/2010/main" w="9525">
+                <a14:hiddenLine xmlns:a14="http://schemas.microsoft.com/office/drawing/2010/main" xmlns="" w="9525">
                   <a:solidFill>
                     <a:srgbClr val="000000"/>
                   </a:solidFill>
@@ -4172,7 +4173,7 @@
             </a:ln>
             <a:extLst>
               <a:ext uri="{91240B29-F687-4f45-9708-019B960494DF}">
-                <a14:hiddenLine xmlns="" xmlns:a14="http://schemas.microsoft.com/office/drawing/2010/main" w="9525">
+                <a14:hiddenLine xmlns:a14="http://schemas.microsoft.com/office/drawing/2010/main" xmlns="" w="9525">
                   <a:solidFill>
                     <a:srgbClr val="000000"/>
                   </a:solidFill>
@@ -4262,7 +4263,7 @@
             </a:ln>
             <a:extLst>
               <a:ext uri="{91240B29-F687-4f45-9708-019B960494DF}">
-                <a14:hiddenLine xmlns="" xmlns:a14="http://schemas.microsoft.com/office/drawing/2010/main" w="9525">
+                <a14:hiddenLine xmlns:a14="http://schemas.microsoft.com/office/drawing/2010/main" xmlns="" w="9525">
                   <a:solidFill>
                     <a:srgbClr val="000000"/>
                   </a:solidFill>
@@ -4402,7 +4403,7 @@
           <a:p>
             <a:fld id="{48A87A34-81AB-432B-8DAE-1953F412C126}" type="datetimeFigureOut">
               <a:rPr lang="en-US" dirty="0"/>
-              <a:t>3/12/2018</a:t>
+              <a:t>3/14/2018</a:t>
             </a:fld>
             <a:endParaRPr lang="en-US" dirty="0"/>
           </a:p>
@@ -4664,7 +4665,7 @@
           <a:p>
             <a:fld id="{48A87A34-81AB-432B-8DAE-1953F412C126}" type="datetimeFigureOut">
               <a:rPr lang="en-US" dirty="0"/>
-              <a:t>3/12/2018</a:t>
+              <a:t>3/14/2018</a:t>
             </a:fld>
             <a:endParaRPr lang="en-US" dirty="0"/>
           </a:p>
@@ -4855,7 +4856,7 @@
           <a:p>
             <a:fld id="{48A87A34-81AB-432B-8DAE-1953F412C126}" type="datetimeFigureOut">
               <a:rPr lang="en-US" dirty="0"/>
-              <a:t>3/12/2018</a:t>
+              <a:t>3/14/2018</a:t>
             </a:fld>
             <a:endParaRPr lang="en-US" dirty="0"/>
           </a:p>
@@ -5113,7 +5114,7 @@
           <a:p>
             <a:fld id="{48A87A34-81AB-432B-8DAE-1953F412C126}" type="datetimeFigureOut">
               <a:rPr lang="en-US" dirty="0"/>
-              <a:t>3/12/2018</a:t>
+              <a:t>3/14/2018</a:t>
             </a:fld>
             <a:endParaRPr lang="en-US" dirty="0"/>
           </a:p>
@@ -5542,7 +5543,7 @@
           <a:p>
             <a:fld id="{48A87A34-81AB-432B-8DAE-1953F412C126}" type="datetimeFigureOut">
               <a:rPr lang="en-US" dirty="0"/>
-              <a:t>3/12/2018</a:t>
+              <a:t>3/14/2018</a:t>
             </a:fld>
             <a:endParaRPr lang="en-US" dirty="0"/>
           </a:p>
@@ -6083,7 +6084,7 @@
           <a:p>
             <a:fld id="{48A87A34-81AB-432B-8DAE-1953F412C126}" type="datetimeFigureOut">
               <a:rPr lang="en-US" dirty="0"/>
-              <a:t>3/12/2018</a:t>
+              <a:t>3/14/2018</a:t>
             </a:fld>
             <a:endParaRPr lang="en-US" dirty="0"/>
           </a:p>
@@ -6798,7 +6799,7 @@
           <a:p>
             <a:fld id="{48A87A34-81AB-432B-8DAE-1953F412C126}" type="datetimeFigureOut">
               <a:rPr lang="en-US" dirty="0"/>
-              <a:t>3/12/2018</a:t>
+              <a:t>3/14/2018</a:t>
             </a:fld>
             <a:endParaRPr lang="en-US" dirty="0"/>
           </a:p>
@@ -6963,7 +6964,7 @@
           <a:p>
             <a:fld id="{48A87A34-81AB-432B-8DAE-1953F412C126}" type="datetimeFigureOut">
               <a:rPr lang="en-US" dirty="0"/>
-              <a:t>3/12/2018</a:t>
+              <a:t>3/14/2018</a:t>
             </a:fld>
             <a:endParaRPr lang="en-US" dirty="0"/>
           </a:p>
@@ -7138,7 +7139,7 @@
           <a:p>
             <a:fld id="{48A87A34-81AB-432B-8DAE-1953F412C126}" type="datetimeFigureOut">
               <a:rPr lang="en-US" dirty="0"/>
-              <a:t>3/12/2018</a:t>
+              <a:t>3/14/2018</a:t>
             </a:fld>
             <a:endParaRPr lang="en-US" dirty="0"/>
           </a:p>
@@ -7303,7 +7304,7 @@
           <a:p>
             <a:fld id="{48A87A34-81AB-432B-8DAE-1953F412C126}" type="datetimeFigureOut">
               <a:rPr lang="en-US" dirty="0"/>
-              <a:t>3/12/2018</a:t>
+              <a:t>3/14/2018</a:t>
             </a:fld>
             <a:endParaRPr lang="en-US" dirty="0"/>
           </a:p>
@@ -7548,7 +7549,7 @@
           <a:p>
             <a:fld id="{48A87A34-81AB-432B-8DAE-1953F412C126}" type="datetimeFigureOut">
               <a:rPr lang="en-US" dirty="0"/>
-              <a:t>3/12/2018</a:t>
+              <a:t>3/14/2018</a:t>
             </a:fld>
             <a:endParaRPr lang="en-US" dirty="0"/>
           </a:p>
@@ -7775,7 +7776,7 @@
           <a:p>
             <a:fld id="{48A87A34-81AB-432B-8DAE-1953F412C126}" type="datetimeFigureOut">
               <a:rPr lang="en-US" dirty="0"/>
-              <a:t>3/12/2018</a:t>
+              <a:t>3/14/2018</a:t>
             </a:fld>
             <a:endParaRPr lang="en-US" dirty="0"/>
           </a:p>
@@ -8151,7 +8152,7 @@
           <a:p>
             <a:fld id="{48A87A34-81AB-432B-8DAE-1953F412C126}" type="datetimeFigureOut">
               <a:rPr lang="en-US" dirty="0"/>
-              <a:t>3/12/2018</a:t>
+              <a:t>3/14/2018</a:t>
             </a:fld>
             <a:endParaRPr lang="en-US" dirty="0"/>
           </a:p>
@@ -8264,7 +8265,7 @@
           <a:p>
             <a:fld id="{48A87A34-81AB-432B-8DAE-1953F412C126}" type="datetimeFigureOut">
               <a:rPr lang="en-US" dirty="0"/>
-              <a:t>3/12/2018</a:t>
+              <a:t>3/14/2018</a:t>
             </a:fld>
             <a:endParaRPr lang="en-US" dirty="0"/>
           </a:p>
@@ -8354,7 +8355,7 @@
           <a:p>
             <a:fld id="{48A87A34-81AB-432B-8DAE-1953F412C126}" type="datetimeFigureOut">
               <a:rPr lang="en-US" dirty="0"/>
-              <a:t>3/12/2018</a:t>
+              <a:t>3/14/2018</a:t>
             </a:fld>
             <a:endParaRPr lang="en-US" dirty="0"/>
           </a:p>
@@ -8598,7 +8599,7 @@
           <a:p>
             <a:fld id="{48A87A34-81AB-432B-8DAE-1953F412C126}" type="datetimeFigureOut">
               <a:rPr lang="en-US" dirty="0"/>
-              <a:t>3/12/2018</a:t>
+              <a:t>3/14/2018</a:t>
             </a:fld>
             <a:endParaRPr lang="en-US" dirty="0"/>
           </a:p>
@@ -8873,7 +8874,7 @@
           <a:p>
             <a:fld id="{48A87A34-81AB-432B-8DAE-1953F412C126}" type="datetimeFigureOut">
               <a:rPr lang="en-US" dirty="0"/>
-              <a:t>3/12/2018</a:t>
+              <a:t>3/14/2018</a:t>
             </a:fld>
             <a:endParaRPr lang="en-US" dirty="0"/>
           </a:p>
@@ -8991,7 +8992,7 @@
           <a:noFill/>
           <a:extLst>
             <a:ext uri="{909E8E84-426E-40dd-AFC4-6F175D3DCCD1}">
-              <a14:hiddenFill xmlns="" xmlns:a14="http://schemas.microsoft.com/office/drawing/2010/main">
+              <a14:hiddenFill xmlns:a14="http://schemas.microsoft.com/office/drawing/2010/main" xmlns="">
                 <a:solidFill>
                   <a:srgbClr val="FFFFFF"/>
                 </a:solidFill>
@@ -9065,7 +9066,7 @@
               </a:ln>
               <a:extLst>
                 <a:ext uri="{91240B29-F687-4f45-9708-019B960494DF}">
-                  <a14:hiddenLine xmlns="" xmlns:a14="http://schemas.microsoft.com/office/drawing/2010/main" w="9525">
+                  <a14:hiddenLine xmlns:a14="http://schemas.microsoft.com/office/drawing/2010/main" xmlns="" w="9525">
                     <a:solidFill>
                       <a:srgbClr val="000000"/>
                     </a:solidFill>
@@ -9155,7 +9156,7 @@
               </a:ln>
               <a:extLst>
                 <a:ext uri="{91240B29-F687-4f45-9708-019B960494DF}">
-                  <a14:hiddenLine xmlns="" xmlns:a14="http://schemas.microsoft.com/office/drawing/2010/main" w="9525">
+                  <a14:hiddenLine xmlns:a14="http://schemas.microsoft.com/office/drawing/2010/main" xmlns="" w="9525">
                     <a:solidFill>
                       <a:srgbClr val="000000"/>
                     </a:solidFill>
@@ -9245,7 +9246,7 @@
               </a:ln>
               <a:extLst>
                 <a:ext uri="{91240B29-F687-4f45-9708-019B960494DF}">
-                  <a14:hiddenLine xmlns="" xmlns:a14="http://schemas.microsoft.com/office/drawing/2010/main" w="9525">
+                  <a14:hiddenLine xmlns:a14="http://schemas.microsoft.com/office/drawing/2010/main" xmlns="" w="9525">
                     <a:solidFill>
                       <a:srgbClr val="000000"/>
                     </a:solidFill>
@@ -9307,7 +9308,7 @@
               </a:ln>
               <a:extLst>
                 <a:ext uri="{91240B29-F687-4f45-9708-019B960494DF}">
-                  <a14:hiddenLine xmlns="" xmlns:a14="http://schemas.microsoft.com/office/drawing/2010/main" w="9525">
+                  <a14:hiddenLine xmlns:a14="http://schemas.microsoft.com/office/drawing/2010/main" xmlns="" w="9525">
                     <a:solidFill>
                       <a:srgbClr val="000000"/>
                     </a:solidFill>
@@ -9397,7 +9398,7 @@
               </a:ln>
               <a:extLst>
                 <a:ext uri="{91240B29-F687-4f45-9708-019B960494DF}">
-                  <a14:hiddenLine xmlns="" xmlns:a14="http://schemas.microsoft.com/office/drawing/2010/main" w="9525">
+                  <a14:hiddenLine xmlns:a14="http://schemas.microsoft.com/office/drawing/2010/main" xmlns="" w="9525">
                     <a:solidFill>
                       <a:srgbClr val="000000"/>
                     </a:solidFill>
@@ -9459,7 +9460,7 @@
               </a:ln>
               <a:extLst>
                 <a:ext uri="{91240B29-F687-4f45-9708-019B960494DF}">
-                  <a14:hiddenLine xmlns="" xmlns:a14="http://schemas.microsoft.com/office/drawing/2010/main" w="9525">
+                  <a14:hiddenLine xmlns:a14="http://schemas.microsoft.com/office/drawing/2010/main" xmlns="" w="9525">
                     <a:solidFill>
                       <a:srgbClr val="000000"/>
                     </a:solidFill>
@@ -9521,7 +9522,7 @@
               </a:ln>
               <a:extLst>
                 <a:ext uri="{91240B29-F687-4f45-9708-019B960494DF}">
-                  <a14:hiddenLine xmlns="" xmlns:a14="http://schemas.microsoft.com/office/drawing/2010/main" w="9525">
+                  <a14:hiddenLine xmlns:a14="http://schemas.microsoft.com/office/drawing/2010/main" xmlns="" w="9525">
                     <a:solidFill>
                       <a:srgbClr val="000000"/>
                     </a:solidFill>
@@ -9611,7 +9612,7 @@
               </a:ln>
               <a:extLst>
                 <a:ext uri="{91240B29-F687-4f45-9708-019B960494DF}">
-                  <a14:hiddenLine xmlns="" xmlns:a14="http://schemas.microsoft.com/office/drawing/2010/main" w="9525">
+                  <a14:hiddenLine xmlns:a14="http://schemas.microsoft.com/office/drawing/2010/main" xmlns="" w="9525">
                     <a:solidFill>
                       <a:srgbClr val="000000"/>
                     </a:solidFill>
@@ -9701,7 +9702,7 @@
               </a:ln>
               <a:extLst>
                 <a:ext uri="{91240B29-F687-4f45-9708-019B960494DF}">
-                  <a14:hiddenLine xmlns="" xmlns:a14="http://schemas.microsoft.com/office/drawing/2010/main" w="9525">
+                  <a14:hiddenLine xmlns:a14="http://schemas.microsoft.com/office/drawing/2010/main" xmlns="" w="9525">
                     <a:solidFill>
                       <a:srgbClr val="000000"/>
                     </a:solidFill>
@@ -9763,7 +9764,7 @@
               </a:ln>
               <a:extLst>
                 <a:ext uri="{91240B29-F687-4f45-9708-019B960494DF}">
-                  <a14:hiddenLine xmlns="" xmlns:a14="http://schemas.microsoft.com/office/drawing/2010/main" w="9525">
+                  <a14:hiddenLine xmlns:a14="http://schemas.microsoft.com/office/drawing/2010/main" xmlns="" w="9525">
                     <a:solidFill>
                       <a:srgbClr val="000000"/>
                     </a:solidFill>
@@ -9873,7 +9874,7 @@
               </a:ln>
               <a:extLst>
                 <a:ext uri="{91240B29-F687-4f45-9708-019B960494DF}">
-                  <a14:hiddenLine xmlns="" xmlns:a14="http://schemas.microsoft.com/office/drawing/2010/main" w="9525">
+                  <a14:hiddenLine xmlns:a14="http://schemas.microsoft.com/office/drawing/2010/main" xmlns="" w="9525">
                     <a:solidFill>
                       <a:srgbClr val="000000"/>
                     </a:solidFill>
@@ -9957,7 +9958,7 @@
               </a:ln>
               <a:extLst>
                 <a:ext uri="{91240B29-F687-4f45-9708-019B960494DF}">
-                  <a14:hiddenLine xmlns="" xmlns:a14="http://schemas.microsoft.com/office/drawing/2010/main" w="9525">
+                  <a14:hiddenLine xmlns:a14="http://schemas.microsoft.com/office/drawing/2010/main" xmlns="" w="9525">
                     <a:solidFill>
                       <a:srgbClr val="000000"/>
                     </a:solidFill>
@@ -10019,7 +10020,7 @@
               </a:ln>
               <a:extLst>
                 <a:ext uri="{91240B29-F687-4f45-9708-019B960494DF}">
-                  <a14:hiddenLine xmlns="" xmlns:a14="http://schemas.microsoft.com/office/drawing/2010/main" w="9525">
+                  <a14:hiddenLine xmlns:a14="http://schemas.microsoft.com/office/drawing/2010/main" xmlns="" w="9525">
                     <a:solidFill>
                       <a:srgbClr val="000000"/>
                     </a:solidFill>
@@ -10081,7 +10082,7 @@
               </a:ln>
               <a:extLst>
                 <a:ext uri="{91240B29-F687-4f45-9708-019B960494DF}">
-                  <a14:hiddenLine xmlns="" xmlns:a14="http://schemas.microsoft.com/office/drawing/2010/main" w="9525">
+                  <a14:hiddenLine xmlns:a14="http://schemas.microsoft.com/office/drawing/2010/main" xmlns="" w="9525">
                     <a:solidFill>
                       <a:srgbClr val="000000"/>
                     </a:solidFill>
@@ -10171,7 +10172,7 @@
               </a:ln>
               <a:extLst>
                 <a:ext uri="{91240B29-F687-4f45-9708-019B960494DF}">
-                  <a14:hiddenLine xmlns="" xmlns:a14="http://schemas.microsoft.com/office/drawing/2010/main" w="9525">
+                  <a14:hiddenLine xmlns:a14="http://schemas.microsoft.com/office/drawing/2010/main" xmlns="" w="9525">
                     <a:solidFill>
                       <a:srgbClr val="000000"/>
                     </a:solidFill>
@@ -10205,7 +10206,7 @@
               </a:ln>
               <a:extLst>
                 <a:ext uri="{91240B29-F687-4f45-9708-019B960494DF}">
-                  <a14:hiddenLine xmlns="" xmlns:a14="http://schemas.microsoft.com/office/drawing/2010/main" w="9525">
+                  <a14:hiddenLine xmlns:a14="http://schemas.microsoft.com/office/drawing/2010/main" xmlns="" w="9525">
                     <a:solidFill>
                       <a:srgbClr val="000000"/>
                     </a:solidFill>
@@ -10270,7 +10271,7 @@
               </a:ln>
               <a:extLst>
                 <a:ext uri="{91240B29-F687-4f45-9708-019B960494DF}">
-                  <a14:hiddenLine xmlns="" xmlns:a14="http://schemas.microsoft.com/office/drawing/2010/main" w="9525">
+                  <a14:hiddenLine xmlns:a14="http://schemas.microsoft.com/office/drawing/2010/main" xmlns="" w="9525">
                     <a:solidFill>
                       <a:srgbClr val="000000"/>
                     </a:solidFill>
@@ -10360,7 +10361,7 @@
               </a:ln>
               <a:extLst>
                 <a:ext uri="{91240B29-F687-4f45-9708-019B960494DF}">
-                  <a14:hiddenLine xmlns="" xmlns:a14="http://schemas.microsoft.com/office/drawing/2010/main" w="9525">
+                  <a14:hiddenLine xmlns:a14="http://schemas.microsoft.com/office/drawing/2010/main" xmlns="" w="9525">
                     <a:solidFill>
                       <a:srgbClr val="000000"/>
                     </a:solidFill>
@@ -10422,7 +10423,7 @@
               </a:ln>
               <a:extLst>
                 <a:ext uri="{91240B29-F687-4f45-9708-019B960494DF}">
-                  <a14:hiddenLine xmlns="" xmlns:a14="http://schemas.microsoft.com/office/drawing/2010/main" w="9525">
+                  <a14:hiddenLine xmlns:a14="http://schemas.microsoft.com/office/drawing/2010/main" xmlns="" w="9525">
                     <a:solidFill>
                       <a:srgbClr val="000000"/>
                     </a:solidFill>
@@ -10512,7 +10513,7 @@
               </a:ln>
               <a:extLst>
                 <a:ext uri="{91240B29-F687-4f45-9708-019B960494DF}">
-                  <a14:hiddenLine xmlns="" xmlns:a14="http://schemas.microsoft.com/office/drawing/2010/main" w="9525">
+                  <a14:hiddenLine xmlns:a14="http://schemas.microsoft.com/office/drawing/2010/main" xmlns="" w="9525">
                     <a:solidFill>
                       <a:srgbClr val="000000"/>
                     </a:solidFill>
@@ -10577,7 +10578,7 @@
               </a:ln>
               <a:extLst>
                 <a:ext uri="{91240B29-F687-4f45-9708-019B960494DF}">
-                  <a14:hiddenLine xmlns="" xmlns:a14="http://schemas.microsoft.com/office/drawing/2010/main" w="9525">
+                  <a14:hiddenLine xmlns:a14="http://schemas.microsoft.com/office/drawing/2010/main" xmlns="" w="9525">
                     <a:solidFill>
                       <a:srgbClr val="000000"/>
                     </a:solidFill>
@@ -10639,7 +10640,7 @@
               </a:ln>
               <a:extLst>
                 <a:ext uri="{91240B29-F687-4f45-9708-019B960494DF}">
-                  <a14:hiddenLine xmlns="" xmlns:a14="http://schemas.microsoft.com/office/drawing/2010/main" w="9525">
+                  <a14:hiddenLine xmlns:a14="http://schemas.microsoft.com/office/drawing/2010/main" xmlns="" w="9525">
                     <a:solidFill>
                       <a:srgbClr val="000000"/>
                     </a:solidFill>
@@ -10729,7 +10730,7 @@
               </a:ln>
               <a:extLst>
                 <a:ext uri="{91240B29-F687-4f45-9708-019B960494DF}">
-                  <a14:hiddenLine xmlns="" xmlns:a14="http://schemas.microsoft.com/office/drawing/2010/main" w="9525">
+                  <a14:hiddenLine xmlns:a14="http://schemas.microsoft.com/office/drawing/2010/main" xmlns="" w="9525">
                     <a:solidFill>
                       <a:srgbClr val="000000"/>
                     </a:solidFill>
@@ -10819,7 +10820,7 @@
               </a:ln>
               <a:extLst>
                 <a:ext uri="{91240B29-F687-4f45-9708-019B960494DF}">
-                  <a14:hiddenLine xmlns="" xmlns:a14="http://schemas.microsoft.com/office/drawing/2010/main" w="9525">
+                  <a14:hiddenLine xmlns:a14="http://schemas.microsoft.com/office/drawing/2010/main" xmlns="" w="9525">
                     <a:solidFill>
                       <a:srgbClr val="000000"/>
                     </a:solidFill>
@@ -10884,7 +10885,7 @@
               </a:ln>
               <a:extLst>
                 <a:ext uri="{91240B29-F687-4f45-9708-019B960494DF}">
-                  <a14:hiddenLine xmlns="" xmlns:a14="http://schemas.microsoft.com/office/drawing/2010/main" w="9525">
+                  <a14:hiddenLine xmlns:a14="http://schemas.microsoft.com/office/drawing/2010/main" xmlns="" w="9525">
                     <a:solidFill>
                       <a:srgbClr val="000000"/>
                     </a:solidFill>
@@ -11004,7 +11005,7 @@
               </a:ln>
               <a:extLst>
                 <a:ext uri="{91240B29-F687-4f45-9708-019B960494DF}">
-                  <a14:hiddenLine xmlns="" xmlns:a14="http://schemas.microsoft.com/office/drawing/2010/main" w="9525">
+                  <a14:hiddenLine xmlns:a14="http://schemas.microsoft.com/office/drawing/2010/main" xmlns="" w="9525">
                     <a:solidFill>
                       <a:srgbClr val="000000"/>
                     </a:solidFill>
@@ -11085,7 +11086,7 @@
               </a:ln>
               <a:extLst>
                 <a:ext uri="{91240B29-F687-4f45-9708-019B960494DF}">
-                  <a14:hiddenLine xmlns="" xmlns:a14="http://schemas.microsoft.com/office/drawing/2010/main" w="9525">
+                  <a14:hiddenLine xmlns:a14="http://schemas.microsoft.com/office/drawing/2010/main" xmlns="" w="9525">
                     <a:solidFill>
                       <a:srgbClr val="000000"/>
                     </a:solidFill>
@@ -11200,7 +11201,7 @@
               </a:ln>
               <a:extLst>
                 <a:ext uri="{91240B29-F687-4f45-9708-019B960494DF}">
-                  <a14:hiddenLine xmlns="" xmlns:a14="http://schemas.microsoft.com/office/drawing/2010/main" w="9525">
+                  <a14:hiddenLine xmlns:a14="http://schemas.microsoft.com/office/drawing/2010/main" xmlns="" w="9525">
                     <a:solidFill>
                       <a:srgbClr val="000000"/>
                     </a:solidFill>
@@ -11290,7 +11291,7 @@
               </a:ln>
               <a:extLst>
                 <a:ext uri="{91240B29-F687-4f45-9708-019B960494DF}">
-                  <a14:hiddenLine xmlns="" xmlns:a14="http://schemas.microsoft.com/office/drawing/2010/main" w="9525">
+                  <a14:hiddenLine xmlns:a14="http://schemas.microsoft.com/office/drawing/2010/main" xmlns="" w="9525">
                     <a:solidFill>
                       <a:srgbClr val="000000"/>
                     </a:solidFill>
@@ -11355,7 +11356,7 @@
               </a:ln>
               <a:extLst>
                 <a:ext uri="{91240B29-F687-4f45-9708-019B960494DF}">
-                  <a14:hiddenLine xmlns="" xmlns:a14="http://schemas.microsoft.com/office/drawing/2010/main" w="9525">
+                  <a14:hiddenLine xmlns:a14="http://schemas.microsoft.com/office/drawing/2010/main" xmlns="" w="9525">
                     <a:solidFill>
                       <a:srgbClr val="000000"/>
                     </a:solidFill>
@@ -11445,7 +11446,7 @@
               </a:ln>
               <a:extLst>
                 <a:ext uri="{91240B29-F687-4f45-9708-019B960494DF}">
-                  <a14:hiddenLine xmlns="" xmlns:a14="http://schemas.microsoft.com/office/drawing/2010/main" w="9525">
+                  <a14:hiddenLine xmlns:a14="http://schemas.microsoft.com/office/drawing/2010/main" xmlns="" w="9525">
                     <a:solidFill>
                       <a:srgbClr val="000000"/>
                     </a:solidFill>
@@ -11513,7 +11514,7 @@
               </a:ln>
               <a:extLst>
                 <a:ext uri="{91240B29-F687-4f45-9708-019B960494DF}">
-                  <a14:hiddenLine xmlns="" xmlns:a14="http://schemas.microsoft.com/office/drawing/2010/main" w="9525">
+                  <a14:hiddenLine xmlns:a14="http://schemas.microsoft.com/office/drawing/2010/main" xmlns="" w="9525">
                     <a:solidFill>
                       <a:srgbClr val="000000"/>
                     </a:solidFill>
@@ -11603,7 +11604,7 @@
               </a:ln>
               <a:extLst>
                 <a:ext uri="{91240B29-F687-4f45-9708-019B960494DF}">
-                  <a14:hiddenLine xmlns="" xmlns:a14="http://schemas.microsoft.com/office/drawing/2010/main" w="9525">
+                  <a14:hiddenLine xmlns:a14="http://schemas.microsoft.com/office/drawing/2010/main" xmlns="" w="9525">
                     <a:solidFill>
                       <a:srgbClr val="000000"/>
                     </a:solidFill>
@@ -11671,7 +11672,7 @@
               </a:ln>
               <a:extLst>
                 <a:ext uri="{91240B29-F687-4f45-9708-019B960494DF}">
-                  <a14:hiddenLine xmlns="" xmlns:a14="http://schemas.microsoft.com/office/drawing/2010/main" w="9525">
+                  <a14:hiddenLine xmlns:a14="http://schemas.microsoft.com/office/drawing/2010/main" xmlns="" w="9525">
                     <a:solidFill>
                       <a:srgbClr val="000000"/>
                     </a:solidFill>
@@ -11761,7 +11762,7 @@
               </a:ln>
               <a:extLst>
                 <a:ext uri="{91240B29-F687-4f45-9708-019B960494DF}">
-                  <a14:hiddenLine xmlns="" xmlns:a14="http://schemas.microsoft.com/office/drawing/2010/main" w="9525">
+                  <a14:hiddenLine xmlns:a14="http://schemas.microsoft.com/office/drawing/2010/main" xmlns="" w="9525">
                     <a:solidFill>
                       <a:srgbClr val="000000"/>
                     </a:solidFill>
@@ -11795,7 +11796,7 @@
               </a:ln>
               <a:extLst>
                 <a:ext uri="{91240B29-F687-4f45-9708-019B960494DF}">
-                  <a14:hiddenLine xmlns="" xmlns:a14="http://schemas.microsoft.com/office/drawing/2010/main" w="9525">
+                  <a14:hiddenLine xmlns:a14="http://schemas.microsoft.com/office/drawing/2010/main" xmlns="" w="9525">
                     <a:solidFill>
                       <a:srgbClr val="000000"/>
                     </a:solidFill>
@@ -11936,7 +11937,7 @@
             <a:fld id="{48A87A34-81AB-432B-8DAE-1953F412C126}" type="datetimeFigureOut">
               <a:rPr lang="en-US" dirty="0"/>
               <a:pPr/>
-              <a:t>3/12/2018</a:t>
+              <a:t>3/14/2018</a:t>
             </a:fld>
             <a:endParaRPr lang="en-US" dirty="0"/>
           </a:p>
@@ -12474,6 +12475,104 @@
 </p:sld>
 </file>
 
+<file path=ppt/slides/slide10.xml><?xml version="1.0" encoding="utf-8"?>
+<p:sld xmlns:a="http://schemas.openxmlformats.org/drawingml/2006/main" xmlns:r="http://schemas.openxmlformats.org/officeDocument/2006/relationships" xmlns:p="http://schemas.openxmlformats.org/presentationml/2006/main">
+  <p:cSld>
+    <p:spTree>
+      <p:nvGrpSpPr>
+        <p:cNvPr id="1" name=""/>
+        <p:cNvGrpSpPr/>
+        <p:nvPr/>
+      </p:nvGrpSpPr>
+      <p:grpSpPr>
+        <a:xfrm>
+          <a:off x="0" y="0"/>
+          <a:ext cx="0" cy="0"/>
+          <a:chOff x="0" y="0"/>
+          <a:chExt cx="0" cy="0"/>
+        </a:xfrm>
+      </p:grpSpPr>
+      <p:sp>
+        <p:nvSpPr>
+          <p:cNvPr id="2" name="Title 1">
+            <a:extLst>
+              <a:ext uri="{FF2B5EF4-FFF2-40B4-BE49-F238E27FC236}">
+                <a16:creationId xmlns:a16="http://schemas.microsoft.com/office/drawing/2014/main" id="{F005DB70-225C-42AA-8B80-FBED9AEF8870}"/>
+              </a:ext>
+            </a:extLst>
+          </p:cNvPr>
+          <p:cNvSpPr>
+            <a:spLocks noGrp="1"/>
+          </p:cNvSpPr>
+          <p:nvPr>
+            <p:ph type="title"/>
+          </p:nvPr>
+        </p:nvSpPr>
+        <p:spPr/>
+        <p:txBody>
+          <a:bodyPr/>
+          <a:lstStyle/>
+          <a:p>
+            <a:r>
+              <a:rPr lang="en-US" dirty="0"/>
+              <a:t>Resources</a:t>
+            </a:r>
+          </a:p>
+        </p:txBody>
+      </p:sp>
+      <p:sp>
+        <p:nvSpPr>
+          <p:cNvPr id="3" name="Content Placeholder 2">
+            <a:extLst>
+              <a:ext uri="{FF2B5EF4-FFF2-40B4-BE49-F238E27FC236}">
+                <a16:creationId xmlns:a16="http://schemas.microsoft.com/office/drawing/2014/main" id="{A65CCD33-A06F-4CAF-A4A8-2065706F6F9D}"/>
+              </a:ext>
+            </a:extLst>
+          </p:cNvPr>
+          <p:cNvSpPr>
+            <a:spLocks noGrp="1"/>
+          </p:cNvSpPr>
+          <p:nvPr>
+            <p:ph idx="1"/>
+          </p:nvPr>
+        </p:nvSpPr>
+        <p:spPr/>
+        <p:txBody>
+          <a:bodyPr/>
+          <a:lstStyle/>
+          <a:p>
+            <a:r>
+              <a:rPr lang="en-US" dirty="0" err="1">
+                <a:hlinkClick r:id="rId2"/>
+              </a:rPr>
+              <a:t>Sentdex</a:t>
+            </a:r>
+            <a:r>
+              <a:rPr lang="en-US" dirty="0">
+                <a:hlinkClick r:id="rId2"/>
+              </a:rPr>
+              <a:t> Videos and Code </a:t>
+            </a:r>
+            <a:endParaRPr lang="en-US" dirty="0"/>
+          </a:p>
+          <a:p>
+            <a:endParaRPr lang="en-US" dirty="0"/>
+          </a:p>
+        </p:txBody>
+      </p:sp>
+    </p:spTree>
+    <p:extLst>
+      <p:ext uri="{BB962C8B-B14F-4D97-AF65-F5344CB8AC3E}">
+        <p14:creationId xmlns:p14="http://schemas.microsoft.com/office/powerpoint/2010/main" val="1025773477"/>
+      </p:ext>
+    </p:extLst>
+  </p:cSld>
+  <p:clrMapOvr>
+    <a:masterClrMapping/>
+  </p:clrMapOvr>
+</p:sld>
+</file>
+
 <file path=ppt/slides/slide2.xml><?xml version="1.0" encoding="utf-8"?>
 <p:sld xmlns:a="http://schemas.openxmlformats.org/drawingml/2006/main" xmlns:r="http://schemas.openxmlformats.org/officeDocument/2006/relationships" xmlns:p="http://schemas.openxmlformats.org/presentationml/2006/main">
   <p:cSld>
@@ -12585,7 +12684,7 @@
           <a:p>
             <a:r>
               <a:rPr lang="en-US" dirty="0"/>
-              <a:t>Detect your face and eyes in your webcam</a:t>
+              <a:t>Detect your face, eyes, and watch in your webcam</a:t>
             </a:r>
           </a:p>
         </p:txBody>
@@ -12647,7 +12746,7 @@
             </a:r>
             <a:r>
               <a:rPr lang="en-US" dirty="0"/>
-              <a:t> Cascade – Create your own image detection</a:t>
+              <a:t> Cascade – Prebuilt cascade for face and eye detection</a:t>
             </a:r>
           </a:p>
         </p:txBody>
@@ -13470,7 +13569,7 @@
           <a:p>
             <a:r>
               <a:rPr lang="en-US" dirty="0"/>
-              <a:t>Next steps</a:t>
+              <a:t>Commands to train</a:t>
             </a:r>
           </a:p>
         </p:txBody>
@@ -13494,30 +13593,221 @@
         <p:spPr/>
         <p:txBody>
           <a:bodyPr>
-            <a:normAutofit/>
+            <a:normAutofit lnSpcReduction="10000"/>
           </a:bodyPr>
           <a:lstStyle/>
           <a:p>
             <a:r>
-              <a:rPr lang="en-US"/>
-              <a:t>Train </a:t>
-            </a:r>
-            <a:r>
               <a:rPr lang="en-US" dirty="0" err="1"/>
-              <a:t>Haar</a:t>
+              <a:t>opencv_createsamples</a:t>
             </a:r>
             <a:r>
               <a:rPr lang="en-US" dirty="0"/>
-              <a:t> cascade</a:t>
-            </a:r>
-          </a:p>
-          <a:p>
+              <a:t> -</a:t>
+            </a:r>
+            <a:r>
+              <a:rPr lang="en-US" dirty="0" err="1"/>
+              <a:t>img</a:t>
+            </a:r>
             <a:r>
               <a:rPr lang="en-US" dirty="0"/>
-              <a:t>Check if your watch is detected in the webcam</a:t>
-            </a:r>
-          </a:p>
-          <a:p>
+              <a:t> watch5050.jpg -</a:t>
+            </a:r>
+            <a:r>
+              <a:rPr lang="en-US" dirty="0" err="1"/>
+              <a:t>bg</a:t>
+            </a:r>
+            <a:r>
+              <a:rPr lang="en-US" dirty="0"/>
+              <a:t> bg.txt -info info/</a:t>
+            </a:r>
+            <a:r>
+              <a:rPr lang="en-US" dirty="0" err="1"/>
+              <a:t>info.lst</a:t>
+            </a:r>
+            <a:r>
+              <a:rPr lang="en-US" dirty="0"/>
+              <a:t> -</a:t>
+            </a:r>
+            <a:r>
+              <a:rPr lang="en-US" dirty="0" err="1"/>
+              <a:t>pngoutput</a:t>
+            </a:r>
+            <a:r>
+              <a:rPr lang="en-US" dirty="0"/>
+              <a:t> info -</a:t>
+            </a:r>
+            <a:r>
+              <a:rPr lang="en-US" dirty="0" err="1"/>
+              <a:t>maxxangle</a:t>
+            </a:r>
+            <a:r>
+              <a:rPr lang="en-US" dirty="0"/>
+              <a:t> 0.5 -</a:t>
+            </a:r>
+            <a:r>
+              <a:rPr lang="en-US" dirty="0" err="1"/>
+              <a:t>maxyangle</a:t>
+            </a:r>
+            <a:r>
+              <a:rPr lang="en-US" dirty="0"/>
+              <a:t> 0.5 -</a:t>
+            </a:r>
+            <a:r>
+              <a:rPr lang="en-US" dirty="0" err="1"/>
+              <a:t>maxzangle</a:t>
+            </a:r>
+            <a:r>
+              <a:rPr lang="en-US" dirty="0"/>
+              <a:t> 0.5 -</a:t>
+            </a:r>
+            <a:r>
+              <a:rPr lang="en-US" dirty="0" err="1"/>
+              <a:t>num</a:t>
+            </a:r>
+            <a:r>
+              <a:rPr lang="en-US" dirty="0"/>
+              <a:t> 1950</a:t>
+            </a:r>
+          </a:p>
+          <a:p>
+            <a:r>
+              <a:rPr lang="en-US" dirty="0" err="1"/>
+              <a:t>opencv_createsamples</a:t>
+            </a:r>
+            <a:r>
+              <a:rPr lang="en-US" dirty="0"/>
+              <a:t> -info info/</a:t>
+            </a:r>
+            <a:r>
+              <a:rPr lang="en-US" dirty="0" err="1"/>
+              <a:t>info.lst</a:t>
+            </a:r>
+            <a:r>
+              <a:rPr lang="en-US" dirty="0"/>
+              <a:t> -</a:t>
+            </a:r>
+            <a:r>
+              <a:rPr lang="en-US" dirty="0" err="1"/>
+              <a:t>num</a:t>
+            </a:r>
+            <a:r>
+              <a:rPr lang="en-US" dirty="0"/>
+              <a:t> 1950 -w 20 -h 20 -</a:t>
+            </a:r>
+            <a:r>
+              <a:rPr lang="en-US" dirty="0" err="1"/>
+              <a:t>vec</a:t>
+            </a:r>
+            <a:r>
+              <a:rPr lang="en-US" dirty="0"/>
+              <a:t> </a:t>
+            </a:r>
+            <a:r>
+              <a:rPr lang="en-US" dirty="0" err="1"/>
+              <a:t>positives.vec</a:t>
+            </a:r>
+            <a:endParaRPr lang="en-US" dirty="0"/>
+          </a:p>
+          <a:p>
+            <a:r>
+              <a:rPr lang="en-US" dirty="0" err="1"/>
+              <a:t>nohup</a:t>
+            </a:r>
+            <a:r>
+              <a:rPr lang="en-US" dirty="0"/>
+              <a:t> </a:t>
+            </a:r>
+            <a:r>
+              <a:rPr lang="en-US" dirty="0" err="1"/>
+              <a:t>opencv_traincascade</a:t>
+            </a:r>
+            <a:r>
+              <a:rPr lang="en-US" dirty="0"/>
+              <a:t> -data </a:t>
+            </a:r>
+            <a:r>
+              <a:rPr lang="en-US" dirty="0" err="1"/>
+              <a:t>data</a:t>
+            </a:r>
+            <a:r>
+              <a:rPr lang="en-US" dirty="0"/>
+              <a:t> -</a:t>
+            </a:r>
+            <a:r>
+              <a:rPr lang="en-US" dirty="0" err="1"/>
+              <a:t>vec</a:t>
+            </a:r>
+            <a:r>
+              <a:rPr lang="en-US" dirty="0"/>
+              <a:t> </a:t>
+            </a:r>
+            <a:r>
+              <a:rPr lang="en-US" dirty="0" err="1"/>
+              <a:t>positives.vec</a:t>
+            </a:r>
+            <a:r>
+              <a:rPr lang="en-US" dirty="0"/>
+              <a:t> -</a:t>
+            </a:r>
+            <a:r>
+              <a:rPr lang="en-US" dirty="0" err="1"/>
+              <a:t>bg</a:t>
+            </a:r>
+            <a:r>
+              <a:rPr lang="en-US" dirty="0"/>
+              <a:t> bg.txt -</a:t>
+            </a:r>
+            <a:r>
+              <a:rPr lang="en-US" dirty="0" err="1"/>
+              <a:t>numPos</a:t>
+            </a:r>
+            <a:r>
+              <a:rPr lang="en-US" dirty="0"/>
+              <a:t> 1800 -</a:t>
+            </a:r>
+            <a:r>
+              <a:rPr lang="en-US" dirty="0" err="1"/>
+              <a:t>numNeg</a:t>
+            </a:r>
+            <a:r>
+              <a:rPr lang="en-US" dirty="0"/>
+              <a:t> 900 -</a:t>
+            </a:r>
+            <a:r>
+              <a:rPr lang="en-US" dirty="0" err="1"/>
+              <a:t>numStages</a:t>
+            </a:r>
+            <a:r>
+              <a:rPr lang="en-US" dirty="0"/>
+              <a:t> 10 -w 20 -h 20 &amp;</a:t>
+            </a:r>
+          </a:p>
+          <a:p>
+            <a:r>
+              <a:rPr lang="en-US" dirty="0"/>
+              <a:t>Add to </a:t>
+            </a:r>
+            <a:r>
+              <a:rPr lang="en-US" dirty="0" err="1"/>
+              <a:t>cron</a:t>
+            </a:r>
+            <a:r>
+              <a:rPr lang="en-US" dirty="0"/>
+              <a:t> * * * * * echo 1 &gt; /proc/sys/</a:t>
+            </a:r>
+            <a:r>
+              <a:rPr lang="en-US" dirty="0" err="1"/>
+              <a:t>vm</a:t>
+            </a:r>
+            <a:r>
+              <a:rPr lang="en-US" dirty="0"/>
+              <a:t>/</a:t>
+            </a:r>
+            <a:r>
+              <a:rPr lang="en-US" dirty="0" err="1"/>
+              <a:t>drop_caches</a:t>
+            </a:r>
             <a:endParaRPr lang="en-US" dirty="0"/>
           </a:p>
         </p:txBody>
@@ -13557,7 +13847,7 @@
           <p:cNvPr id="2" name="Title 1">
             <a:extLst>
               <a:ext uri="{FF2B5EF4-FFF2-40B4-BE49-F238E27FC236}">
-                <a16:creationId xmlns:a16="http://schemas.microsoft.com/office/drawing/2014/main" id="{F005DB70-225C-42AA-8B80-FBED9AEF8870}"/>
+                <a16:creationId xmlns:a16="http://schemas.microsoft.com/office/drawing/2014/main" id="{FD2C140E-6D78-43D3-8298-8E42E4EE96C9}"/>
               </a:ext>
             </a:extLst>
           </p:cNvPr>
@@ -13575,7 +13865,7 @@
           <a:p>
             <a:r>
               <a:rPr lang="en-US" dirty="0"/>
-              <a:t>Resources</a:t>
+              <a:t>Add watch cascade to code</a:t>
             </a:r>
           </a:p>
         </p:txBody>
@@ -13585,7 +13875,7 @@
           <p:cNvPr id="3" name="Content Placeholder 2">
             <a:extLst>
               <a:ext uri="{FF2B5EF4-FFF2-40B4-BE49-F238E27FC236}">
-                <a16:creationId xmlns:a16="http://schemas.microsoft.com/office/drawing/2014/main" id="{A65CCD33-A06F-4CAF-A4A8-2065706F6F9D}"/>
+                <a16:creationId xmlns:a16="http://schemas.microsoft.com/office/drawing/2014/main" id="{5644D69E-820D-44BE-8F1C-9E2276B5433A}"/>
               </a:ext>
             </a:extLst>
           </p:cNvPr>
@@ -13602,28 +13892,57 @@
           <a:lstStyle/>
           <a:p>
             <a:r>
-              <a:rPr lang="en-US" dirty="0" err="1">
-                <a:hlinkClick r:id="rId2"/>
-              </a:rPr>
-              <a:t>Sentdex</a:t>
-            </a:r>
-            <a:r>
-              <a:rPr lang="en-US" dirty="0">
-                <a:hlinkClick r:id="rId2"/>
-              </a:rPr>
-              <a:t> Videos and Code </a:t>
-            </a:r>
-            <a:endParaRPr lang="en-US" dirty="0"/>
-          </a:p>
-          <a:p>
-            <a:endParaRPr lang="en-US" dirty="0"/>
+              <a:rPr lang="en-US" dirty="0" err="1"/>
+              <a:t>watch_cascade</a:t>
+            </a:r>
+            <a:r>
+              <a:rPr lang="en-US" dirty="0"/>
+              <a:t> = cv2.CascadeClassifier('watchcascade10stage.xml’)</a:t>
+            </a:r>
+          </a:p>
+          <a:p>
+            <a:r>
+              <a:rPr lang="en-US" dirty="0"/>
+              <a:t>watches = </a:t>
+            </a:r>
+            <a:r>
+              <a:rPr lang="en-US" dirty="0" err="1"/>
+              <a:t>watch_cascade.detectMultiScale</a:t>
+            </a:r>
+            <a:r>
+              <a:rPr lang="en-US" dirty="0"/>
+              <a:t>(gray, 50, 50)</a:t>
+            </a:r>
+          </a:p>
+          <a:p>
+            <a:r>
+              <a:rPr lang="en-US" dirty="0"/>
+              <a:t> font = cv2.FONT_HERSHEY_SIMPLEX</a:t>
+            </a:r>
+          </a:p>
+          <a:p>
+            <a:pPr marL="0" indent="0">
+              <a:buNone/>
+            </a:pPr>
+            <a:r>
+              <a:rPr lang="en-US" dirty="0"/>
+              <a:t>    cv2.putText(</a:t>
+            </a:r>
+            <a:r>
+              <a:rPr lang="en-US" dirty="0" err="1"/>
+              <a:t>img</a:t>
+            </a:r>
+            <a:r>
+              <a:rPr lang="en-US" dirty="0"/>
+              <a:t>, 'Watch', (x-2, y-h), font, 0.5, (0,255,255), 2 cv2.LINE_AA)</a:t>
+            </a:r>
           </a:p>
         </p:txBody>
       </p:sp>
     </p:spTree>
     <p:extLst>
       <p:ext uri="{BB962C8B-B14F-4D97-AF65-F5344CB8AC3E}">
-        <p14:creationId xmlns:p14="http://schemas.microsoft.com/office/powerpoint/2010/main" val="1025773477"/>
+        <p14:creationId xmlns:p14="http://schemas.microsoft.com/office/powerpoint/2010/main" val="1026299170"/>
       </p:ext>
     </p:extLst>
   </p:cSld>

--- a/Python Computer Vision 03-17-17/OpenCV.pptx
+++ b/Python Computer Vision 03-17-17/OpenCV.pptx
@@ -178,7 +178,7 @@
           <a:noFill/>
           <a:extLst>
             <a:ext uri="{909E8E84-426E-40dd-AFC4-6F175D3DCCD1}">
-              <a14:hiddenFill xmlns:a14="http://schemas.microsoft.com/office/drawing/2010/main" xmlns="">
+              <a14:hiddenFill xmlns="" xmlns:a14="http://schemas.microsoft.com/office/drawing/2010/main">
                 <a:solidFill>
                   <a:srgbClr val="FFFFFF"/>
                 </a:solidFill>
@@ -237,7 +237,7 @@
             </a:ln>
             <a:extLst>
               <a:ext uri="{91240B29-F687-4f45-9708-019B960494DF}">
-                <a14:hiddenLine xmlns:a14="http://schemas.microsoft.com/office/drawing/2010/main" xmlns="" w="9525">
+                <a14:hiddenLine xmlns="" xmlns:a14="http://schemas.microsoft.com/office/drawing/2010/main" w="9525">
                   <a:solidFill>
                     <a:srgbClr val="000000"/>
                   </a:solidFill>
@@ -327,7 +327,7 @@
             </a:ln>
             <a:extLst>
               <a:ext uri="{91240B29-F687-4f45-9708-019B960494DF}">
-                <a14:hiddenLine xmlns:a14="http://schemas.microsoft.com/office/drawing/2010/main" xmlns="" w="9525">
+                <a14:hiddenLine xmlns="" xmlns:a14="http://schemas.microsoft.com/office/drawing/2010/main" w="9525">
                   <a:solidFill>
                     <a:srgbClr val="000000"/>
                   </a:solidFill>
@@ -417,7 +417,7 @@
             </a:ln>
             <a:extLst>
               <a:ext uri="{91240B29-F687-4f45-9708-019B960494DF}">
-                <a14:hiddenLine xmlns:a14="http://schemas.microsoft.com/office/drawing/2010/main" xmlns="" w="9525">
+                <a14:hiddenLine xmlns="" xmlns:a14="http://schemas.microsoft.com/office/drawing/2010/main" w="9525">
                   <a:solidFill>
                     <a:srgbClr val="000000"/>
                   </a:solidFill>
@@ -451,7 +451,7 @@
             </a:ln>
             <a:extLst>
               <a:ext uri="{91240B29-F687-4f45-9708-019B960494DF}">
-                <a14:hiddenLine xmlns:a14="http://schemas.microsoft.com/office/drawing/2010/main" xmlns="" w="9525">
+                <a14:hiddenLine xmlns="" xmlns:a14="http://schemas.microsoft.com/office/drawing/2010/main" w="9525">
                   <a:solidFill>
                     <a:srgbClr val="000000"/>
                   </a:solidFill>
@@ -541,7 +541,7 @@
             </a:ln>
             <a:extLst>
               <a:ext uri="{91240B29-F687-4f45-9708-019B960494DF}">
-                <a14:hiddenLine xmlns:a14="http://schemas.microsoft.com/office/drawing/2010/main" xmlns="" w="9525">
+                <a14:hiddenLine xmlns="" xmlns:a14="http://schemas.microsoft.com/office/drawing/2010/main" w="9525">
                   <a:solidFill>
                     <a:srgbClr val="000000"/>
                   </a:solidFill>
@@ -603,7 +603,7 @@
             </a:ln>
             <a:extLst>
               <a:ext uri="{91240B29-F687-4f45-9708-019B960494DF}">
-                <a14:hiddenLine xmlns:a14="http://schemas.microsoft.com/office/drawing/2010/main" xmlns="" w="9525">
+                <a14:hiddenLine xmlns="" xmlns:a14="http://schemas.microsoft.com/office/drawing/2010/main" w="9525">
                   <a:solidFill>
                     <a:srgbClr val="000000"/>
                   </a:solidFill>
@@ -665,7 +665,7 @@
             </a:ln>
             <a:extLst>
               <a:ext uri="{91240B29-F687-4f45-9708-019B960494DF}">
-                <a14:hiddenLine xmlns:a14="http://schemas.microsoft.com/office/drawing/2010/main" xmlns="" w="9525">
+                <a14:hiddenLine xmlns="" xmlns:a14="http://schemas.microsoft.com/office/drawing/2010/main" w="9525">
                   <a:solidFill>
                     <a:srgbClr val="000000"/>
                   </a:solidFill>
@@ -755,7 +755,7 @@
             </a:ln>
             <a:extLst>
               <a:ext uri="{91240B29-F687-4f45-9708-019B960494DF}">
-                <a14:hiddenLine xmlns:a14="http://schemas.microsoft.com/office/drawing/2010/main" xmlns="" w="9525">
+                <a14:hiddenLine xmlns="" xmlns:a14="http://schemas.microsoft.com/office/drawing/2010/main" w="9525">
                   <a:solidFill>
                     <a:srgbClr val="000000"/>
                   </a:solidFill>
@@ -817,7 +817,7 @@
             </a:ln>
             <a:extLst>
               <a:ext uri="{91240B29-F687-4f45-9708-019B960494DF}">
-                <a14:hiddenLine xmlns:a14="http://schemas.microsoft.com/office/drawing/2010/main" xmlns="" w="9525">
+                <a14:hiddenLine xmlns="" xmlns:a14="http://schemas.microsoft.com/office/drawing/2010/main" w="9525">
                   <a:solidFill>
                     <a:srgbClr val="000000"/>
                   </a:solidFill>
@@ -879,7 +879,7 @@
             </a:ln>
             <a:extLst>
               <a:ext uri="{91240B29-F687-4f45-9708-019B960494DF}">
-                <a14:hiddenLine xmlns:a14="http://schemas.microsoft.com/office/drawing/2010/main" xmlns="" w="9525">
+                <a14:hiddenLine xmlns="" xmlns:a14="http://schemas.microsoft.com/office/drawing/2010/main" w="9525">
                   <a:solidFill>
                     <a:srgbClr val="000000"/>
                   </a:solidFill>
@@ -969,7 +969,7 @@
             </a:ln>
             <a:extLst>
               <a:ext uri="{91240B29-F687-4f45-9708-019B960494DF}">
-                <a14:hiddenLine xmlns:a14="http://schemas.microsoft.com/office/drawing/2010/main" xmlns="" w="9525">
+                <a14:hiddenLine xmlns="" xmlns:a14="http://schemas.microsoft.com/office/drawing/2010/main" w="9525">
                   <a:solidFill>
                     <a:srgbClr val="000000"/>
                   </a:solidFill>
@@ -1059,7 +1059,7 @@
             </a:ln>
             <a:extLst>
               <a:ext uri="{91240B29-F687-4f45-9708-019B960494DF}">
-                <a14:hiddenLine xmlns:a14="http://schemas.microsoft.com/office/drawing/2010/main" xmlns="" w="9525">
+                <a14:hiddenLine xmlns="" xmlns:a14="http://schemas.microsoft.com/office/drawing/2010/main" w="9525">
                   <a:solidFill>
                     <a:srgbClr val="000000"/>
                   </a:solidFill>
@@ -1121,7 +1121,7 @@
             </a:ln>
             <a:extLst>
               <a:ext uri="{91240B29-F687-4f45-9708-019B960494DF}">
-                <a14:hiddenLine xmlns:a14="http://schemas.microsoft.com/office/drawing/2010/main" xmlns="" w="9525">
+                <a14:hiddenLine xmlns="" xmlns:a14="http://schemas.microsoft.com/office/drawing/2010/main" w="9525">
                   <a:solidFill>
                     <a:srgbClr val="000000"/>
                   </a:solidFill>
@@ -1231,7 +1231,7 @@
             </a:ln>
             <a:extLst>
               <a:ext uri="{91240B29-F687-4f45-9708-019B960494DF}">
-                <a14:hiddenLine xmlns:a14="http://schemas.microsoft.com/office/drawing/2010/main" xmlns="" w="9525">
+                <a14:hiddenLine xmlns="" xmlns:a14="http://schemas.microsoft.com/office/drawing/2010/main" w="9525">
                   <a:solidFill>
                     <a:srgbClr val="000000"/>
                   </a:solidFill>
@@ -1293,7 +1293,7 @@
             </a:ln>
             <a:extLst>
               <a:ext uri="{91240B29-F687-4f45-9708-019B960494DF}">
-                <a14:hiddenLine xmlns:a14="http://schemas.microsoft.com/office/drawing/2010/main" xmlns="" w="9525">
+                <a14:hiddenLine xmlns="" xmlns:a14="http://schemas.microsoft.com/office/drawing/2010/main" w="9525">
                   <a:solidFill>
                     <a:srgbClr val="000000"/>
                   </a:solidFill>
@@ -1383,7 +1383,7 @@
             </a:ln>
             <a:extLst>
               <a:ext uri="{91240B29-F687-4f45-9708-019B960494DF}">
-                <a14:hiddenLine xmlns:a14="http://schemas.microsoft.com/office/drawing/2010/main" xmlns="" w="9525">
+                <a14:hiddenLine xmlns="" xmlns:a14="http://schemas.microsoft.com/office/drawing/2010/main" w="9525">
                   <a:solidFill>
                     <a:srgbClr val="000000"/>
                   </a:solidFill>
@@ -1473,7 +1473,7 @@
             </a:ln>
             <a:extLst>
               <a:ext uri="{91240B29-F687-4f45-9708-019B960494DF}">
-                <a14:hiddenLine xmlns:a14="http://schemas.microsoft.com/office/drawing/2010/main" xmlns="" w="9525">
+                <a14:hiddenLine xmlns="" xmlns:a14="http://schemas.microsoft.com/office/drawing/2010/main" w="9525">
                   <a:solidFill>
                     <a:srgbClr val="000000"/>
                   </a:solidFill>
@@ -1535,7 +1535,7 @@
             </a:ln>
             <a:extLst>
               <a:ext uri="{91240B29-F687-4f45-9708-019B960494DF}">
-                <a14:hiddenLine xmlns:a14="http://schemas.microsoft.com/office/drawing/2010/main" xmlns="" w="9525">
+                <a14:hiddenLine xmlns="" xmlns:a14="http://schemas.microsoft.com/office/drawing/2010/main" w="9525">
                   <a:solidFill>
                     <a:srgbClr val="000000"/>
                   </a:solidFill>
@@ -1625,7 +1625,7 @@
             </a:ln>
             <a:extLst>
               <a:ext uri="{91240B29-F687-4f45-9708-019B960494DF}">
-                <a14:hiddenLine xmlns:a14="http://schemas.microsoft.com/office/drawing/2010/main" xmlns="" w="9525">
+                <a14:hiddenLine xmlns="" xmlns:a14="http://schemas.microsoft.com/office/drawing/2010/main" w="9525">
                   <a:solidFill>
                     <a:srgbClr val="000000"/>
                   </a:solidFill>
@@ -1715,7 +1715,7 @@
             </a:ln>
             <a:extLst>
               <a:ext uri="{91240B29-F687-4f45-9708-019B960494DF}">
-                <a14:hiddenLine xmlns:a14="http://schemas.microsoft.com/office/drawing/2010/main" xmlns="" w="9525">
+                <a14:hiddenLine xmlns="" xmlns:a14="http://schemas.microsoft.com/office/drawing/2010/main" w="9525">
                   <a:solidFill>
                     <a:srgbClr val="000000"/>
                   </a:solidFill>
@@ -1771,7 +1771,7 @@
             </a:ln>
             <a:extLst>
               <a:ext uri="{91240B29-F687-4f45-9708-019B960494DF}">
-                <a14:hiddenLine xmlns:a14="http://schemas.microsoft.com/office/drawing/2010/main" xmlns="" w="9525">
+                <a14:hiddenLine xmlns="" xmlns:a14="http://schemas.microsoft.com/office/drawing/2010/main" w="9525">
                   <a:solidFill>
                     <a:srgbClr val="000000"/>
                   </a:solidFill>
@@ -1861,7 +1861,7 @@
             </a:ln>
             <a:extLst>
               <a:ext uri="{91240B29-F687-4f45-9708-019B960494DF}">
-                <a14:hiddenLine xmlns:a14="http://schemas.microsoft.com/office/drawing/2010/main" xmlns="" w="9525">
+                <a14:hiddenLine xmlns="" xmlns:a14="http://schemas.microsoft.com/office/drawing/2010/main" w="9525">
                   <a:solidFill>
                     <a:srgbClr val="000000"/>
                   </a:solidFill>
@@ -1917,7 +1917,7 @@
             </a:ln>
             <a:extLst>
               <a:ext uri="{91240B29-F687-4f45-9708-019B960494DF}">
-                <a14:hiddenLine xmlns:a14="http://schemas.microsoft.com/office/drawing/2010/main" xmlns="" w="9525">
+                <a14:hiddenLine xmlns="" xmlns:a14="http://schemas.microsoft.com/office/drawing/2010/main" w="9525">
                   <a:solidFill>
                     <a:srgbClr val="000000"/>
                   </a:solidFill>
@@ -2007,7 +2007,7 @@
             </a:ln>
             <a:extLst>
               <a:ext uri="{91240B29-F687-4f45-9708-019B960494DF}">
-                <a14:hiddenLine xmlns:a14="http://schemas.microsoft.com/office/drawing/2010/main" xmlns="" w="9525">
+                <a14:hiddenLine xmlns="" xmlns:a14="http://schemas.microsoft.com/office/drawing/2010/main" w="9525">
                   <a:solidFill>
                     <a:srgbClr val="000000"/>
                   </a:solidFill>
@@ -2075,7 +2075,7 @@
             </a:ln>
             <a:extLst>
               <a:ext uri="{91240B29-F687-4f45-9708-019B960494DF}">
-                <a14:hiddenLine xmlns:a14="http://schemas.microsoft.com/office/drawing/2010/main" xmlns="" w="9525">
+                <a14:hiddenLine xmlns="" xmlns:a14="http://schemas.microsoft.com/office/drawing/2010/main" w="9525">
                   <a:solidFill>
                     <a:srgbClr val="000000"/>
                   </a:solidFill>
@@ -2165,7 +2165,7 @@
             </a:ln>
             <a:extLst>
               <a:ext uri="{91240B29-F687-4f45-9708-019B960494DF}">
-                <a14:hiddenLine xmlns:a14="http://schemas.microsoft.com/office/drawing/2010/main" xmlns="" w="9525">
+                <a14:hiddenLine xmlns="" xmlns:a14="http://schemas.microsoft.com/office/drawing/2010/main" w="9525">
                   <a:solidFill>
                     <a:srgbClr val="000000"/>
                   </a:solidFill>
@@ -2233,7 +2233,7 @@
             </a:ln>
             <a:extLst>
               <a:ext uri="{91240B29-F687-4f45-9708-019B960494DF}">
-                <a14:hiddenLine xmlns:a14="http://schemas.microsoft.com/office/drawing/2010/main" xmlns="" w="9525">
+                <a14:hiddenLine xmlns="" xmlns:a14="http://schemas.microsoft.com/office/drawing/2010/main" w="9525">
                   <a:solidFill>
                     <a:srgbClr val="000000"/>
                   </a:solidFill>
@@ -2323,7 +2323,7 @@
             </a:ln>
             <a:extLst>
               <a:ext uri="{91240B29-F687-4f45-9708-019B960494DF}">
-                <a14:hiddenLine xmlns:a14="http://schemas.microsoft.com/office/drawing/2010/main" xmlns="" w="9525">
+                <a14:hiddenLine xmlns="" xmlns:a14="http://schemas.microsoft.com/office/drawing/2010/main" w="9525">
                   <a:solidFill>
                     <a:srgbClr val="000000"/>
                   </a:solidFill>
@@ -2357,7 +2357,7 @@
             </a:ln>
             <a:extLst>
               <a:ext uri="{91240B29-F687-4f45-9708-019B960494DF}">
-                <a14:hiddenLine xmlns:a14="http://schemas.microsoft.com/office/drawing/2010/main" xmlns="" w="9525">
+                <a14:hiddenLine xmlns="" xmlns:a14="http://schemas.microsoft.com/office/drawing/2010/main" w="9525">
                   <a:solidFill>
                     <a:srgbClr val="000000"/>
                   </a:solidFill>
@@ -2447,7 +2447,7 @@
             </a:ln>
             <a:extLst>
               <a:ext uri="{91240B29-F687-4f45-9708-019B960494DF}">
-                <a14:hiddenLine xmlns:a14="http://schemas.microsoft.com/office/drawing/2010/main" xmlns="" w="9525">
+                <a14:hiddenLine xmlns="" xmlns:a14="http://schemas.microsoft.com/office/drawing/2010/main" w="9525">
                   <a:solidFill>
                     <a:srgbClr val="000000"/>
                   </a:solidFill>
@@ -2509,7 +2509,7 @@
             </a:ln>
             <a:extLst>
               <a:ext uri="{91240B29-F687-4f45-9708-019B960494DF}">
-                <a14:hiddenLine xmlns:a14="http://schemas.microsoft.com/office/drawing/2010/main" xmlns="" w="9525">
+                <a14:hiddenLine xmlns="" xmlns:a14="http://schemas.microsoft.com/office/drawing/2010/main" w="9525">
                   <a:solidFill>
                     <a:srgbClr val="000000"/>
                   </a:solidFill>
@@ -2571,7 +2571,7 @@
             </a:ln>
             <a:extLst>
               <a:ext uri="{91240B29-F687-4f45-9708-019B960494DF}">
-                <a14:hiddenLine xmlns:a14="http://schemas.microsoft.com/office/drawing/2010/main" xmlns="" w="9525">
+                <a14:hiddenLine xmlns="" xmlns:a14="http://schemas.microsoft.com/office/drawing/2010/main" w="9525">
                   <a:solidFill>
                     <a:srgbClr val="000000"/>
                   </a:solidFill>
@@ -2661,7 +2661,7 @@
             </a:ln>
             <a:extLst>
               <a:ext uri="{91240B29-F687-4f45-9708-019B960494DF}">
-                <a14:hiddenLine xmlns:a14="http://schemas.microsoft.com/office/drawing/2010/main" xmlns="" w="9525">
+                <a14:hiddenLine xmlns="" xmlns:a14="http://schemas.microsoft.com/office/drawing/2010/main" w="9525">
                   <a:solidFill>
                     <a:srgbClr val="000000"/>
                   </a:solidFill>
@@ -2729,7 +2729,7 @@
             </a:ln>
             <a:extLst>
               <a:ext uri="{91240B29-F687-4f45-9708-019B960494DF}">
-                <a14:hiddenLine xmlns:a14="http://schemas.microsoft.com/office/drawing/2010/main" xmlns="" w="9525">
+                <a14:hiddenLine xmlns="" xmlns:a14="http://schemas.microsoft.com/office/drawing/2010/main" w="9525">
                   <a:solidFill>
                     <a:srgbClr val="000000"/>
                   </a:solidFill>
@@ -2791,7 +2791,7 @@
             </a:ln>
             <a:extLst>
               <a:ext uri="{91240B29-F687-4f45-9708-019B960494DF}">
-                <a14:hiddenLine xmlns:a14="http://schemas.microsoft.com/office/drawing/2010/main" xmlns="" w="9525">
+                <a14:hiddenLine xmlns="" xmlns:a14="http://schemas.microsoft.com/office/drawing/2010/main" w="9525">
                   <a:solidFill>
                     <a:srgbClr val="000000"/>
                   </a:solidFill>
@@ -2881,7 +2881,7 @@
             </a:ln>
             <a:extLst>
               <a:ext uri="{91240B29-F687-4f45-9708-019B960494DF}">
-                <a14:hiddenLine xmlns:a14="http://schemas.microsoft.com/office/drawing/2010/main" xmlns="" w="9525">
+                <a14:hiddenLine xmlns="" xmlns:a14="http://schemas.microsoft.com/office/drawing/2010/main" w="9525">
                   <a:solidFill>
                     <a:srgbClr val="000000"/>
                   </a:solidFill>
@@ -2943,7 +2943,7 @@
             </a:ln>
             <a:extLst>
               <a:ext uri="{91240B29-F687-4f45-9708-019B960494DF}">
-                <a14:hiddenLine xmlns:a14="http://schemas.microsoft.com/office/drawing/2010/main" xmlns="" w="9525">
+                <a14:hiddenLine xmlns="" xmlns:a14="http://schemas.microsoft.com/office/drawing/2010/main" w="9525">
                   <a:solidFill>
                     <a:srgbClr val="000000"/>
                   </a:solidFill>
@@ -3033,7 +3033,7 @@
             </a:ln>
             <a:extLst>
               <a:ext uri="{91240B29-F687-4f45-9708-019B960494DF}">
-                <a14:hiddenLine xmlns:a14="http://schemas.microsoft.com/office/drawing/2010/main" xmlns="" w="9525">
+                <a14:hiddenLine xmlns="" xmlns:a14="http://schemas.microsoft.com/office/drawing/2010/main" w="9525">
                   <a:solidFill>
                     <a:srgbClr val="000000"/>
                   </a:solidFill>
@@ -3095,7 +3095,7 @@
             </a:ln>
             <a:extLst>
               <a:ext uri="{91240B29-F687-4f45-9708-019B960494DF}">
-                <a14:hiddenLine xmlns:a14="http://schemas.microsoft.com/office/drawing/2010/main" xmlns="" w="9525">
+                <a14:hiddenLine xmlns="" xmlns:a14="http://schemas.microsoft.com/office/drawing/2010/main" w="9525">
                   <a:solidFill>
                     <a:srgbClr val="000000"/>
                   </a:solidFill>
@@ -3185,7 +3185,7 @@
             </a:ln>
             <a:extLst>
               <a:ext uri="{91240B29-F687-4f45-9708-019B960494DF}">
-                <a14:hiddenLine xmlns:a14="http://schemas.microsoft.com/office/drawing/2010/main" xmlns="" w="9525">
+                <a14:hiddenLine xmlns="" xmlns:a14="http://schemas.microsoft.com/office/drawing/2010/main" w="9525">
                   <a:solidFill>
                     <a:srgbClr val="000000"/>
                   </a:solidFill>
@@ -3219,7 +3219,7 @@
             </a:ln>
             <a:extLst>
               <a:ext uri="{91240B29-F687-4f45-9708-019B960494DF}">
-                <a14:hiddenLine xmlns:a14="http://schemas.microsoft.com/office/drawing/2010/main" xmlns="" w="9525">
+                <a14:hiddenLine xmlns="" xmlns:a14="http://schemas.microsoft.com/office/drawing/2010/main" w="9525">
                   <a:solidFill>
                     <a:srgbClr val="000000"/>
                   </a:solidFill>
@@ -3284,7 +3284,7 @@
             </a:ln>
             <a:extLst>
               <a:ext uri="{91240B29-F687-4f45-9708-019B960494DF}">
-                <a14:hiddenLine xmlns:a14="http://schemas.microsoft.com/office/drawing/2010/main" xmlns="" w="9525">
+                <a14:hiddenLine xmlns="" xmlns:a14="http://schemas.microsoft.com/office/drawing/2010/main" w="9525">
                   <a:solidFill>
                     <a:srgbClr val="000000"/>
                   </a:solidFill>
@@ -3374,7 +3374,7 @@
             </a:ln>
             <a:extLst>
               <a:ext uri="{91240B29-F687-4f45-9708-019B960494DF}">
-                <a14:hiddenLine xmlns:a14="http://schemas.microsoft.com/office/drawing/2010/main" xmlns="" w="9525">
+                <a14:hiddenLine xmlns="" xmlns:a14="http://schemas.microsoft.com/office/drawing/2010/main" w="9525">
                   <a:solidFill>
                     <a:srgbClr val="000000"/>
                   </a:solidFill>
@@ -3436,7 +3436,7 @@
             </a:ln>
             <a:extLst>
               <a:ext uri="{91240B29-F687-4f45-9708-019B960494DF}">
-                <a14:hiddenLine xmlns:a14="http://schemas.microsoft.com/office/drawing/2010/main" xmlns="" w="9525">
+                <a14:hiddenLine xmlns="" xmlns:a14="http://schemas.microsoft.com/office/drawing/2010/main" w="9525">
                   <a:solidFill>
                     <a:srgbClr val="000000"/>
                   </a:solidFill>
@@ -3526,7 +3526,7 @@
             </a:ln>
             <a:extLst>
               <a:ext uri="{91240B29-F687-4f45-9708-019B960494DF}">
-                <a14:hiddenLine xmlns:a14="http://schemas.microsoft.com/office/drawing/2010/main" xmlns="" w="9525">
+                <a14:hiddenLine xmlns="" xmlns:a14="http://schemas.microsoft.com/office/drawing/2010/main" w="9525">
                   <a:solidFill>
                     <a:srgbClr val="000000"/>
                   </a:solidFill>
@@ -3616,7 +3616,7 @@
             </a:ln>
             <a:extLst>
               <a:ext uri="{91240B29-F687-4f45-9708-019B960494DF}">
-                <a14:hiddenLine xmlns:a14="http://schemas.microsoft.com/office/drawing/2010/main" xmlns="" w="9525">
+                <a14:hiddenLine xmlns="" xmlns:a14="http://schemas.microsoft.com/office/drawing/2010/main" w="9525">
                   <a:solidFill>
                     <a:srgbClr val="000000"/>
                   </a:solidFill>
@@ -3681,7 +3681,7 @@
             </a:ln>
             <a:extLst>
               <a:ext uri="{91240B29-F687-4f45-9708-019B960494DF}">
-                <a14:hiddenLine xmlns:a14="http://schemas.microsoft.com/office/drawing/2010/main" xmlns="" w="9525">
+                <a14:hiddenLine xmlns="" xmlns:a14="http://schemas.microsoft.com/office/drawing/2010/main" w="9525">
                   <a:solidFill>
                     <a:srgbClr val="000000"/>
                   </a:solidFill>
@@ -3743,7 +3743,7 @@
             </a:ln>
             <a:extLst>
               <a:ext uri="{91240B29-F687-4f45-9708-019B960494DF}">
-                <a14:hiddenLine xmlns:a14="http://schemas.microsoft.com/office/drawing/2010/main" xmlns="" w="9525">
+                <a14:hiddenLine xmlns="" xmlns:a14="http://schemas.microsoft.com/office/drawing/2010/main" w="9525">
                   <a:solidFill>
                     <a:srgbClr val="000000"/>
                   </a:solidFill>
@@ -3833,7 +3833,7 @@
             </a:ln>
             <a:extLst>
               <a:ext uri="{91240B29-F687-4f45-9708-019B960494DF}">
-                <a14:hiddenLine xmlns:a14="http://schemas.microsoft.com/office/drawing/2010/main" xmlns="" w="9525">
+                <a14:hiddenLine xmlns="" xmlns:a14="http://schemas.microsoft.com/office/drawing/2010/main" w="9525">
                   <a:solidFill>
                     <a:srgbClr val="000000"/>
                   </a:solidFill>
@@ -3923,7 +3923,7 @@
             </a:ln>
             <a:extLst>
               <a:ext uri="{91240B29-F687-4f45-9708-019B960494DF}">
-                <a14:hiddenLine xmlns:a14="http://schemas.microsoft.com/office/drawing/2010/main" xmlns="" w="9525">
+                <a14:hiddenLine xmlns="" xmlns:a14="http://schemas.microsoft.com/office/drawing/2010/main" w="9525">
                   <a:solidFill>
                     <a:srgbClr val="000000"/>
                   </a:solidFill>
@@ -3985,7 +3985,7 @@
             </a:ln>
             <a:extLst>
               <a:ext uri="{91240B29-F687-4f45-9708-019B960494DF}">
-                <a14:hiddenLine xmlns:a14="http://schemas.microsoft.com/office/drawing/2010/main" xmlns="" w="9525">
+                <a14:hiddenLine xmlns="" xmlns:a14="http://schemas.microsoft.com/office/drawing/2010/main" w="9525">
                   <a:solidFill>
                     <a:srgbClr val="000000"/>
                   </a:solidFill>
@@ -4105,7 +4105,7 @@
             </a:ln>
             <a:extLst>
               <a:ext uri="{91240B29-F687-4f45-9708-019B960494DF}">
-                <a14:hiddenLine xmlns:a14="http://schemas.microsoft.com/office/drawing/2010/main" xmlns="" w="9525">
+                <a14:hiddenLine xmlns="" xmlns:a14="http://schemas.microsoft.com/office/drawing/2010/main" w="9525">
                   <a:solidFill>
                     <a:srgbClr val="000000"/>
                   </a:solidFill>
@@ -4173,7 +4173,7 @@
             </a:ln>
             <a:extLst>
               <a:ext uri="{91240B29-F687-4f45-9708-019B960494DF}">
-                <a14:hiddenLine xmlns:a14="http://schemas.microsoft.com/office/drawing/2010/main" xmlns="" w="9525">
+                <a14:hiddenLine xmlns="" xmlns:a14="http://schemas.microsoft.com/office/drawing/2010/main" w="9525">
                   <a:solidFill>
                     <a:srgbClr val="000000"/>
                   </a:solidFill>
@@ -4263,7 +4263,7 @@
             </a:ln>
             <a:extLst>
               <a:ext uri="{91240B29-F687-4f45-9708-019B960494DF}">
-                <a14:hiddenLine xmlns:a14="http://schemas.microsoft.com/office/drawing/2010/main" xmlns="" w="9525">
+                <a14:hiddenLine xmlns="" xmlns:a14="http://schemas.microsoft.com/office/drawing/2010/main" w="9525">
                   <a:solidFill>
                     <a:srgbClr val="000000"/>
                   </a:solidFill>
@@ -8992,7 +8992,7 @@
           <a:noFill/>
           <a:extLst>
             <a:ext uri="{909E8E84-426E-40dd-AFC4-6F175D3DCCD1}">
-              <a14:hiddenFill xmlns:a14="http://schemas.microsoft.com/office/drawing/2010/main" xmlns="">
+              <a14:hiddenFill xmlns="" xmlns:a14="http://schemas.microsoft.com/office/drawing/2010/main">
                 <a:solidFill>
                   <a:srgbClr val="FFFFFF"/>
                 </a:solidFill>
@@ -9066,7 +9066,7 @@
               </a:ln>
               <a:extLst>
                 <a:ext uri="{91240B29-F687-4f45-9708-019B960494DF}">
-                  <a14:hiddenLine xmlns:a14="http://schemas.microsoft.com/office/drawing/2010/main" xmlns="" w="9525">
+                  <a14:hiddenLine xmlns="" xmlns:a14="http://schemas.microsoft.com/office/drawing/2010/main" w="9525">
                     <a:solidFill>
                       <a:srgbClr val="000000"/>
                     </a:solidFill>
@@ -9156,7 +9156,7 @@
               </a:ln>
               <a:extLst>
                 <a:ext uri="{91240B29-F687-4f45-9708-019B960494DF}">
-                  <a14:hiddenLine xmlns:a14="http://schemas.microsoft.com/office/drawing/2010/main" xmlns="" w="9525">
+                  <a14:hiddenLine xmlns="" xmlns:a14="http://schemas.microsoft.com/office/drawing/2010/main" w="9525">
                     <a:solidFill>
                       <a:srgbClr val="000000"/>
                     </a:solidFill>
@@ -9246,7 +9246,7 @@
               </a:ln>
               <a:extLst>
                 <a:ext uri="{91240B29-F687-4f45-9708-019B960494DF}">
-                  <a14:hiddenLine xmlns:a14="http://schemas.microsoft.com/office/drawing/2010/main" xmlns="" w="9525">
+                  <a14:hiddenLine xmlns="" xmlns:a14="http://schemas.microsoft.com/office/drawing/2010/main" w="9525">
                     <a:solidFill>
                       <a:srgbClr val="000000"/>
                     </a:solidFill>
@@ -9308,7 +9308,7 @@
               </a:ln>
               <a:extLst>
                 <a:ext uri="{91240B29-F687-4f45-9708-019B960494DF}">
-                  <a14:hiddenLine xmlns:a14="http://schemas.microsoft.com/office/drawing/2010/main" xmlns="" w="9525">
+                  <a14:hiddenLine xmlns="" xmlns:a14="http://schemas.microsoft.com/office/drawing/2010/main" w="9525">
                     <a:solidFill>
                       <a:srgbClr val="000000"/>
                     </a:solidFill>
@@ -9398,7 +9398,7 @@
               </a:ln>
               <a:extLst>
                 <a:ext uri="{91240B29-F687-4f45-9708-019B960494DF}">
-                  <a14:hiddenLine xmlns:a14="http://schemas.microsoft.com/office/drawing/2010/main" xmlns="" w="9525">
+                  <a14:hiddenLine xmlns="" xmlns:a14="http://schemas.microsoft.com/office/drawing/2010/main" w="9525">
                     <a:solidFill>
                       <a:srgbClr val="000000"/>
                     </a:solidFill>
@@ -9460,7 +9460,7 @@
               </a:ln>
               <a:extLst>
                 <a:ext uri="{91240B29-F687-4f45-9708-019B960494DF}">
-                  <a14:hiddenLine xmlns:a14="http://schemas.microsoft.com/office/drawing/2010/main" xmlns="" w="9525">
+                  <a14:hiddenLine xmlns="" xmlns:a14="http://schemas.microsoft.com/office/drawing/2010/main" w="9525">
                     <a:solidFill>
                       <a:srgbClr val="000000"/>
                     </a:solidFill>
@@ -9522,7 +9522,7 @@
               </a:ln>
               <a:extLst>
                 <a:ext uri="{91240B29-F687-4f45-9708-019B960494DF}">
-                  <a14:hiddenLine xmlns:a14="http://schemas.microsoft.com/office/drawing/2010/main" xmlns="" w="9525">
+                  <a14:hiddenLine xmlns="" xmlns:a14="http://schemas.microsoft.com/office/drawing/2010/main" w="9525">
                     <a:solidFill>
                       <a:srgbClr val="000000"/>
                     </a:solidFill>
@@ -9612,7 +9612,7 @@
               </a:ln>
               <a:extLst>
                 <a:ext uri="{91240B29-F687-4f45-9708-019B960494DF}">
-                  <a14:hiddenLine xmlns:a14="http://schemas.microsoft.com/office/drawing/2010/main" xmlns="" w="9525">
+                  <a14:hiddenLine xmlns="" xmlns:a14="http://schemas.microsoft.com/office/drawing/2010/main" w="9525">
                     <a:solidFill>
                       <a:srgbClr val="000000"/>
                     </a:solidFill>
@@ -9702,7 +9702,7 @@
               </a:ln>
               <a:extLst>
                 <a:ext uri="{91240B29-F687-4f45-9708-019B960494DF}">
-                  <a14:hiddenLine xmlns:a14="http://schemas.microsoft.com/office/drawing/2010/main" xmlns="" w="9525">
+                  <a14:hiddenLine xmlns="" xmlns:a14="http://schemas.microsoft.com/office/drawing/2010/main" w="9525">
                     <a:solidFill>
                       <a:srgbClr val="000000"/>
                     </a:solidFill>
@@ -9764,7 +9764,7 @@
               </a:ln>
               <a:extLst>
                 <a:ext uri="{91240B29-F687-4f45-9708-019B960494DF}">
-                  <a14:hiddenLine xmlns:a14="http://schemas.microsoft.com/office/drawing/2010/main" xmlns="" w="9525">
+                  <a14:hiddenLine xmlns="" xmlns:a14="http://schemas.microsoft.com/office/drawing/2010/main" w="9525">
                     <a:solidFill>
                       <a:srgbClr val="000000"/>
                     </a:solidFill>
@@ -9874,7 +9874,7 @@
               </a:ln>
               <a:extLst>
                 <a:ext uri="{91240B29-F687-4f45-9708-019B960494DF}">
-                  <a14:hiddenLine xmlns:a14="http://schemas.microsoft.com/office/drawing/2010/main" xmlns="" w="9525">
+                  <a14:hiddenLine xmlns="" xmlns:a14="http://schemas.microsoft.com/office/drawing/2010/main" w="9525">
                     <a:solidFill>
                       <a:srgbClr val="000000"/>
                     </a:solidFill>
@@ -9958,7 +9958,7 @@
               </a:ln>
               <a:extLst>
                 <a:ext uri="{91240B29-F687-4f45-9708-019B960494DF}">
-                  <a14:hiddenLine xmlns:a14="http://schemas.microsoft.com/office/drawing/2010/main" xmlns="" w="9525">
+                  <a14:hiddenLine xmlns="" xmlns:a14="http://schemas.microsoft.com/office/drawing/2010/main" w="9525">
                     <a:solidFill>
                       <a:srgbClr val="000000"/>
                     </a:solidFill>
@@ -10020,7 +10020,7 @@
               </a:ln>
               <a:extLst>
                 <a:ext uri="{91240B29-F687-4f45-9708-019B960494DF}">
-                  <a14:hiddenLine xmlns:a14="http://schemas.microsoft.com/office/drawing/2010/main" xmlns="" w="9525">
+                  <a14:hiddenLine xmlns="" xmlns:a14="http://schemas.microsoft.com/office/drawing/2010/main" w="9525">
                     <a:solidFill>
                       <a:srgbClr val="000000"/>
                     </a:solidFill>
@@ -10082,7 +10082,7 @@
               </a:ln>
               <a:extLst>
                 <a:ext uri="{91240B29-F687-4f45-9708-019B960494DF}">
-                  <a14:hiddenLine xmlns:a14="http://schemas.microsoft.com/office/drawing/2010/main" xmlns="" w="9525">
+                  <a14:hiddenLine xmlns="" xmlns:a14="http://schemas.microsoft.com/office/drawing/2010/main" w="9525">
                     <a:solidFill>
                       <a:srgbClr val="000000"/>
                     </a:solidFill>
@@ -10172,7 +10172,7 @@
               </a:ln>
               <a:extLst>
                 <a:ext uri="{91240B29-F687-4f45-9708-019B960494DF}">
-                  <a14:hiddenLine xmlns:a14="http://schemas.microsoft.com/office/drawing/2010/main" xmlns="" w="9525">
+                  <a14:hiddenLine xmlns="" xmlns:a14="http://schemas.microsoft.com/office/drawing/2010/main" w="9525">
                     <a:solidFill>
                       <a:srgbClr val="000000"/>
                     </a:solidFill>
@@ -10206,7 +10206,7 @@
               </a:ln>
               <a:extLst>
                 <a:ext uri="{91240B29-F687-4f45-9708-019B960494DF}">
-                  <a14:hiddenLine xmlns:a14="http://schemas.microsoft.com/office/drawing/2010/main" xmlns="" w="9525">
+                  <a14:hiddenLine xmlns="" xmlns:a14="http://schemas.microsoft.com/office/drawing/2010/main" w="9525">
                     <a:solidFill>
                       <a:srgbClr val="000000"/>
                     </a:solidFill>
@@ -10271,7 +10271,7 @@
               </a:ln>
               <a:extLst>
                 <a:ext uri="{91240B29-F687-4f45-9708-019B960494DF}">
-                  <a14:hiddenLine xmlns:a14="http://schemas.microsoft.com/office/drawing/2010/main" xmlns="" w="9525">
+                  <a14:hiddenLine xmlns="" xmlns:a14="http://schemas.microsoft.com/office/drawing/2010/main" w="9525">
                     <a:solidFill>
                       <a:srgbClr val="000000"/>
                     </a:solidFill>
@@ -10361,7 +10361,7 @@
               </a:ln>
               <a:extLst>
                 <a:ext uri="{91240B29-F687-4f45-9708-019B960494DF}">
-                  <a14:hiddenLine xmlns:a14="http://schemas.microsoft.com/office/drawing/2010/main" xmlns="" w="9525">
+                  <a14:hiddenLine xmlns="" xmlns:a14="http://schemas.microsoft.com/office/drawing/2010/main" w="9525">
                     <a:solidFill>
                       <a:srgbClr val="000000"/>
                     </a:solidFill>
@@ -10423,7 +10423,7 @@
               </a:ln>
               <a:extLst>
                 <a:ext uri="{91240B29-F687-4f45-9708-019B960494DF}">
-                  <a14:hiddenLine xmlns:a14="http://schemas.microsoft.com/office/drawing/2010/main" xmlns="" w="9525">
+                  <a14:hiddenLine xmlns="" xmlns:a14="http://schemas.microsoft.com/office/drawing/2010/main" w="9525">
                     <a:solidFill>
                       <a:srgbClr val="000000"/>
                     </a:solidFill>
@@ -10513,7 +10513,7 @@
               </a:ln>
               <a:extLst>
                 <a:ext uri="{91240B29-F687-4f45-9708-019B960494DF}">
-                  <a14:hiddenLine xmlns:a14="http://schemas.microsoft.com/office/drawing/2010/main" xmlns="" w="9525">
+                  <a14:hiddenLine xmlns="" xmlns:a14="http://schemas.microsoft.com/office/drawing/2010/main" w="9525">
                     <a:solidFill>
                       <a:srgbClr val="000000"/>
                     </a:solidFill>
@@ -10578,7 +10578,7 @@
               </a:ln>
               <a:extLst>
                 <a:ext uri="{91240B29-F687-4f45-9708-019B960494DF}">
-                  <a14:hiddenLine xmlns:a14="http://schemas.microsoft.com/office/drawing/2010/main" xmlns="" w="9525">
+                  <a14:hiddenLine xmlns="" xmlns:a14="http://schemas.microsoft.com/office/drawing/2010/main" w="9525">
                     <a:solidFill>
                       <a:srgbClr val="000000"/>
                     </a:solidFill>
@@ -10640,7 +10640,7 @@
               </a:ln>
               <a:extLst>
                 <a:ext uri="{91240B29-F687-4f45-9708-019B960494DF}">
-                  <a14:hiddenLine xmlns:a14="http://schemas.microsoft.com/office/drawing/2010/main" xmlns="" w="9525">
+                  <a14:hiddenLine xmlns="" xmlns:a14="http://schemas.microsoft.com/office/drawing/2010/main" w="9525">
                     <a:solidFill>
                       <a:srgbClr val="000000"/>
                     </a:solidFill>
@@ -10730,7 +10730,7 @@
               </a:ln>
               <a:extLst>
                 <a:ext uri="{91240B29-F687-4f45-9708-019B960494DF}">
-                  <a14:hiddenLine xmlns:a14="http://schemas.microsoft.com/office/drawing/2010/main" xmlns="" w="9525">
+                  <a14:hiddenLine xmlns="" xmlns:a14="http://schemas.microsoft.com/office/drawing/2010/main" w="9525">
                     <a:solidFill>
                       <a:srgbClr val="000000"/>
                     </a:solidFill>
@@ -10820,7 +10820,7 @@
               </a:ln>
               <a:extLst>
                 <a:ext uri="{91240B29-F687-4f45-9708-019B960494DF}">
-                  <a14:hiddenLine xmlns:a14="http://schemas.microsoft.com/office/drawing/2010/main" xmlns="" w="9525">
+                  <a14:hiddenLine xmlns="" xmlns:a14="http://schemas.microsoft.com/office/drawing/2010/main" w="9525">
                     <a:solidFill>
                       <a:srgbClr val="000000"/>
                     </a:solidFill>
@@ -10885,7 +10885,7 @@
               </a:ln>
               <a:extLst>
                 <a:ext uri="{91240B29-F687-4f45-9708-019B960494DF}">
-                  <a14:hiddenLine xmlns:a14="http://schemas.microsoft.com/office/drawing/2010/main" xmlns="" w="9525">
+                  <a14:hiddenLine xmlns="" xmlns:a14="http://schemas.microsoft.com/office/drawing/2010/main" w="9525">
                     <a:solidFill>
                       <a:srgbClr val="000000"/>
                     </a:solidFill>
@@ -11005,7 +11005,7 @@
               </a:ln>
               <a:extLst>
                 <a:ext uri="{91240B29-F687-4f45-9708-019B960494DF}">
-                  <a14:hiddenLine xmlns:a14="http://schemas.microsoft.com/office/drawing/2010/main" xmlns="" w="9525">
+                  <a14:hiddenLine xmlns="" xmlns:a14="http://schemas.microsoft.com/office/drawing/2010/main" w="9525">
                     <a:solidFill>
                       <a:srgbClr val="000000"/>
                     </a:solidFill>
@@ -11086,7 +11086,7 @@
               </a:ln>
               <a:extLst>
                 <a:ext uri="{91240B29-F687-4f45-9708-019B960494DF}">
-                  <a14:hiddenLine xmlns:a14="http://schemas.microsoft.com/office/drawing/2010/main" xmlns="" w="9525">
+                  <a14:hiddenLine xmlns="" xmlns:a14="http://schemas.microsoft.com/office/drawing/2010/main" w="9525">
                     <a:solidFill>
                       <a:srgbClr val="000000"/>
                     </a:solidFill>
@@ -11201,7 +11201,7 @@
               </a:ln>
               <a:extLst>
                 <a:ext uri="{91240B29-F687-4f45-9708-019B960494DF}">
-                  <a14:hiddenLine xmlns:a14="http://schemas.microsoft.com/office/drawing/2010/main" xmlns="" w="9525">
+                  <a14:hiddenLine xmlns="" xmlns:a14="http://schemas.microsoft.com/office/drawing/2010/main" w="9525">
                     <a:solidFill>
                       <a:srgbClr val="000000"/>
                     </a:solidFill>
@@ -11291,7 +11291,7 @@
               </a:ln>
               <a:extLst>
                 <a:ext uri="{91240B29-F687-4f45-9708-019B960494DF}">
-                  <a14:hiddenLine xmlns:a14="http://schemas.microsoft.com/office/drawing/2010/main" xmlns="" w="9525">
+                  <a14:hiddenLine xmlns="" xmlns:a14="http://schemas.microsoft.com/office/drawing/2010/main" w="9525">
                     <a:solidFill>
                       <a:srgbClr val="000000"/>
                     </a:solidFill>
@@ -11356,7 +11356,7 @@
               </a:ln>
               <a:extLst>
                 <a:ext uri="{91240B29-F687-4f45-9708-019B960494DF}">
-                  <a14:hiddenLine xmlns:a14="http://schemas.microsoft.com/office/drawing/2010/main" xmlns="" w="9525">
+                  <a14:hiddenLine xmlns="" xmlns:a14="http://schemas.microsoft.com/office/drawing/2010/main" w="9525">
                     <a:solidFill>
                       <a:srgbClr val="000000"/>
                     </a:solidFill>
@@ -11446,7 +11446,7 @@
               </a:ln>
               <a:extLst>
                 <a:ext uri="{91240B29-F687-4f45-9708-019B960494DF}">
-                  <a14:hiddenLine xmlns:a14="http://schemas.microsoft.com/office/drawing/2010/main" xmlns="" w="9525">
+                  <a14:hiddenLine xmlns="" xmlns:a14="http://schemas.microsoft.com/office/drawing/2010/main" w="9525">
                     <a:solidFill>
                       <a:srgbClr val="000000"/>
                     </a:solidFill>
@@ -11514,7 +11514,7 @@
               </a:ln>
               <a:extLst>
                 <a:ext uri="{91240B29-F687-4f45-9708-019B960494DF}">
-                  <a14:hiddenLine xmlns:a14="http://schemas.microsoft.com/office/drawing/2010/main" xmlns="" w="9525">
+                  <a14:hiddenLine xmlns="" xmlns:a14="http://schemas.microsoft.com/office/drawing/2010/main" w="9525">
                     <a:solidFill>
                       <a:srgbClr val="000000"/>
                     </a:solidFill>
@@ -11604,7 +11604,7 @@
               </a:ln>
               <a:extLst>
                 <a:ext uri="{91240B29-F687-4f45-9708-019B960494DF}">
-                  <a14:hiddenLine xmlns:a14="http://schemas.microsoft.com/office/drawing/2010/main" xmlns="" w="9525">
+                  <a14:hiddenLine xmlns="" xmlns:a14="http://schemas.microsoft.com/office/drawing/2010/main" w="9525">
                     <a:solidFill>
                       <a:srgbClr val="000000"/>
                     </a:solidFill>
@@ -11672,7 +11672,7 @@
               </a:ln>
               <a:extLst>
                 <a:ext uri="{91240B29-F687-4f45-9708-019B960494DF}">
-                  <a14:hiddenLine xmlns:a14="http://schemas.microsoft.com/office/drawing/2010/main" xmlns="" w="9525">
+                  <a14:hiddenLine xmlns="" xmlns:a14="http://schemas.microsoft.com/office/drawing/2010/main" w="9525">
                     <a:solidFill>
                       <a:srgbClr val="000000"/>
                     </a:solidFill>
@@ -11762,7 +11762,7 @@
               </a:ln>
               <a:extLst>
                 <a:ext uri="{91240B29-F687-4f45-9708-019B960494DF}">
-                  <a14:hiddenLine xmlns:a14="http://schemas.microsoft.com/office/drawing/2010/main" xmlns="" w="9525">
+                  <a14:hiddenLine xmlns="" xmlns:a14="http://schemas.microsoft.com/office/drawing/2010/main" w="9525">
                     <a:solidFill>
                       <a:srgbClr val="000000"/>
                     </a:solidFill>
@@ -11796,7 +11796,7 @@
               </a:ln>
               <a:extLst>
                 <a:ext uri="{91240B29-F687-4f45-9708-019B960494DF}">
-                  <a14:hiddenLine xmlns:a14="http://schemas.microsoft.com/office/drawing/2010/main" xmlns="" w="9525">
+                  <a14:hiddenLine xmlns="" xmlns:a14="http://schemas.microsoft.com/office/drawing/2010/main" w="9525">
                     <a:solidFill>
                       <a:srgbClr val="000000"/>
                     </a:solidFill>
@@ -13400,7 +13400,7 @@
             <a:pPr lvl="1"/>
             <a:r>
               <a:rPr lang="en-US" dirty="0"/>
-              <a:t>50 x 50 pixels – impose positive on negative and becomes 100 x 100</a:t>
+              <a:t>50 x 50 pixels – impose positive on negative</a:t>
             </a:r>
           </a:p>
         </p:txBody>

--- a/Python Computer Vision 03-17-17/OpenCV.pptx
+++ b/Python Computer Vision 03-17-17/OpenCV.pptx
@@ -178,7 +178,7 @@
           <a:noFill/>
           <a:extLst>
             <a:ext uri="{909E8E84-426E-40dd-AFC4-6F175D3DCCD1}">
-              <a14:hiddenFill xmlns="" xmlns:a14="http://schemas.microsoft.com/office/drawing/2010/main">
+              <a14:hiddenFill xmlns:a14="http://schemas.microsoft.com/office/drawing/2010/main" xmlns="">
                 <a:solidFill>
                   <a:srgbClr val="FFFFFF"/>
                 </a:solidFill>
@@ -237,7 +237,7 @@
             </a:ln>
             <a:extLst>
               <a:ext uri="{91240B29-F687-4f45-9708-019B960494DF}">
-                <a14:hiddenLine xmlns="" xmlns:a14="http://schemas.microsoft.com/office/drawing/2010/main" w="9525">
+                <a14:hiddenLine xmlns:a14="http://schemas.microsoft.com/office/drawing/2010/main" xmlns="" w="9525">
                   <a:solidFill>
                     <a:srgbClr val="000000"/>
                   </a:solidFill>
@@ -327,7 +327,7 @@
             </a:ln>
             <a:extLst>
               <a:ext uri="{91240B29-F687-4f45-9708-019B960494DF}">
-                <a14:hiddenLine xmlns="" xmlns:a14="http://schemas.microsoft.com/office/drawing/2010/main" w="9525">
+                <a14:hiddenLine xmlns:a14="http://schemas.microsoft.com/office/drawing/2010/main" xmlns="" w="9525">
                   <a:solidFill>
                     <a:srgbClr val="000000"/>
                   </a:solidFill>
@@ -417,7 +417,7 @@
             </a:ln>
             <a:extLst>
               <a:ext uri="{91240B29-F687-4f45-9708-019B960494DF}">
-                <a14:hiddenLine xmlns="" xmlns:a14="http://schemas.microsoft.com/office/drawing/2010/main" w="9525">
+                <a14:hiddenLine xmlns:a14="http://schemas.microsoft.com/office/drawing/2010/main" xmlns="" w="9525">
                   <a:solidFill>
                     <a:srgbClr val="000000"/>
                   </a:solidFill>
@@ -451,7 +451,7 @@
             </a:ln>
             <a:extLst>
               <a:ext uri="{91240B29-F687-4f45-9708-019B960494DF}">
-                <a14:hiddenLine xmlns="" xmlns:a14="http://schemas.microsoft.com/office/drawing/2010/main" w="9525">
+                <a14:hiddenLine xmlns:a14="http://schemas.microsoft.com/office/drawing/2010/main" xmlns="" w="9525">
                   <a:solidFill>
                     <a:srgbClr val="000000"/>
                   </a:solidFill>
@@ -541,7 +541,7 @@
             </a:ln>
             <a:extLst>
               <a:ext uri="{91240B29-F687-4f45-9708-019B960494DF}">
-                <a14:hiddenLine xmlns="" xmlns:a14="http://schemas.microsoft.com/office/drawing/2010/main" w="9525">
+                <a14:hiddenLine xmlns:a14="http://schemas.microsoft.com/office/drawing/2010/main" xmlns="" w="9525">
                   <a:solidFill>
                     <a:srgbClr val="000000"/>
                   </a:solidFill>
@@ -603,7 +603,7 @@
             </a:ln>
             <a:extLst>
               <a:ext uri="{91240B29-F687-4f45-9708-019B960494DF}">
-                <a14:hiddenLine xmlns="" xmlns:a14="http://schemas.microsoft.com/office/drawing/2010/main" w="9525">
+                <a14:hiddenLine xmlns:a14="http://schemas.microsoft.com/office/drawing/2010/main" xmlns="" w="9525">
                   <a:solidFill>
                     <a:srgbClr val="000000"/>
                   </a:solidFill>
@@ -665,7 +665,7 @@
             </a:ln>
             <a:extLst>
               <a:ext uri="{91240B29-F687-4f45-9708-019B960494DF}">
-                <a14:hiddenLine xmlns="" xmlns:a14="http://schemas.microsoft.com/office/drawing/2010/main" w="9525">
+                <a14:hiddenLine xmlns:a14="http://schemas.microsoft.com/office/drawing/2010/main" xmlns="" w="9525">
                   <a:solidFill>
                     <a:srgbClr val="000000"/>
                   </a:solidFill>
@@ -755,7 +755,7 @@
             </a:ln>
             <a:extLst>
               <a:ext uri="{91240B29-F687-4f45-9708-019B960494DF}">
-                <a14:hiddenLine xmlns="" xmlns:a14="http://schemas.microsoft.com/office/drawing/2010/main" w="9525">
+                <a14:hiddenLine xmlns:a14="http://schemas.microsoft.com/office/drawing/2010/main" xmlns="" w="9525">
                   <a:solidFill>
                     <a:srgbClr val="000000"/>
                   </a:solidFill>
@@ -817,7 +817,7 @@
             </a:ln>
             <a:extLst>
               <a:ext uri="{91240B29-F687-4f45-9708-019B960494DF}">
-                <a14:hiddenLine xmlns="" xmlns:a14="http://schemas.microsoft.com/office/drawing/2010/main" w="9525">
+                <a14:hiddenLine xmlns:a14="http://schemas.microsoft.com/office/drawing/2010/main" xmlns="" w="9525">
                   <a:solidFill>
                     <a:srgbClr val="000000"/>
                   </a:solidFill>
@@ -879,7 +879,7 @@
             </a:ln>
             <a:extLst>
               <a:ext uri="{91240B29-F687-4f45-9708-019B960494DF}">
-                <a14:hiddenLine xmlns="" xmlns:a14="http://schemas.microsoft.com/office/drawing/2010/main" w="9525">
+                <a14:hiddenLine xmlns:a14="http://schemas.microsoft.com/office/drawing/2010/main" xmlns="" w="9525">
                   <a:solidFill>
                     <a:srgbClr val="000000"/>
                   </a:solidFill>
@@ -969,7 +969,7 @@
             </a:ln>
             <a:extLst>
               <a:ext uri="{91240B29-F687-4f45-9708-019B960494DF}">
-                <a14:hiddenLine xmlns="" xmlns:a14="http://schemas.microsoft.com/office/drawing/2010/main" w="9525">
+                <a14:hiddenLine xmlns:a14="http://schemas.microsoft.com/office/drawing/2010/main" xmlns="" w="9525">
                   <a:solidFill>
                     <a:srgbClr val="000000"/>
                   </a:solidFill>
@@ -1059,7 +1059,7 @@
             </a:ln>
             <a:extLst>
               <a:ext uri="{91240B29-F687-4f45-9708-019B960494DF}">
-                <a14:hiddenLine xmlns="" xmlns:a14="http://schemas.microsoft.com/office/drawing/2010/main" w="9525">
+                <a14:hiddenLine xmlns:a14="http://schemas.microsoft.com/office/drawing/2010/main" xmlns="" w="9525">
                   <a:solidFill>
                     <a:srgbClr val="000000"/>
                   </a:solidFill>
@@ -1121,7 +1121,7 @@
             </a:ln>
             <a:extLst>
               <a:ext uri="{91240B29-F687-4f45-9708-019B960494DF}">
-                <a14:hiddenLine xmlns="" xmlns:a14="http://schemas.microsoft.com/office/drawing/2010/main" w="9525">
+                <a14:hiddenLine xmlns:a14="http://schemas.microsoft.com/office/drawing/2010/main" xmlns="" w="9525">
                   <a:solidFill>
                     <a:srgbClr val="000000"/>
                   </a:solidFill>
@@ -1231,7 +1231,7 @@
             </a:ln>
             <a:extLst>
               <a:ext uri="{91240B29-F687-4f45-9708-019B960494DF}">
-                <a14:hiddenLine xmlns="" xmlns:a14="http://schemas.microsoft.com/office/drawing/2010/main" w="9525">
+                <a14:hiddenLine xmlns:a14="http://schemas.microsoft.com/office/drawing/2010/main" xmlns="" w="9525">
                   <a:solidFill>
                     <a:srgbClr val="000000"/>
                   </a:solidFill>
@@ -1293,7 +1293,7 @@
             </a:ln>
             <a:extLst>
               <a:ext uri="{91240B29-F687-4f45-9708-019B960494DF}">
-                <a14:hiddenLine xmlns="" xmlns:a14="http://schemas.microsoft.com/office/drawing/2010/main" w="9525">
+                <a14:hiddenLine xmlns:a14="http://schemas.microsoft.com/office/drawing/2010/main" xmlns="" w="9525">
                   <a:solidFill>
                     <a:srgbClr val="000000"/>
                   </a:solidFill>
@@ -1383,7 +1383,7 @@
             </a:ln>
             <a:extLst>
               <a:ext uri="{91240B29-F687-4f45-9708-019B960494DF}">
-                <a14:hiddenLine xmlns="" xmlns:a14="http://schemas.microsoft.com/office/drawing/2010/main" w="9525">
+                <a14:hiddenLine xmlns:a14="http://schemas.microsoft.com/office/drawing/2010/main" xmlns="" w="9525">
                   <a:solidFill>
                     <a:srgbClr val="000000"/>
                   </a:solidFill>
@@ -1473,7 +1473,7 @@
             </a:ln>
             <a:extLst>
               <a:ext uri="{91240B29-F687-4f45-9708-019B960494DF}">
-                <a14:hiddenLine xmlns="" xmlns:a14="http://schemas.microsoft.com/office/drawing/2010/main" w="9525">
+                <a14:hiddenLine xmlns:a14="http://schemas.microsoft.com/office/drawing/2010/main" xmlns="" w="9525">
                   <a:solidFill>
                     <a:srgbClr val="000000"/>
                   </a:solidFill>
@@ -1535,7 +1535,7 @@
             </a:ln>
             <a:extLst>
               <a:ext uri="{91240B29-F687-4f45-9708-019B960494DF}">
-                <a14:hiddenLine xmlns="" xmlns:a14="http://schemas.microsoft.com/office/drawing/2010/main" w="9525">
+                <a14:hiddenLine xmlns:a14="http://schemas.microsoft.com/office/drawing/2010/main" xmlns="" w="9525">
                   <a:solidFill>
                     <a:srgbClr val="000000"/>
                   </a:solidFill>
@@ -1625,7 +1625,7 @@
             </a:ln>
             <a:extLst>
               <a:ext uri="{91240B29-F687-4f45-9708-019B960494DF}">
-                <a14:hiddenLine xmlns="" xmlns:a14="http://schemas.microsoft.com/office/drawing/2010/main" w="9525">
+                <a14:hiddenLine xmlns:a14="http://schemas.microsoft.com/office/drawing/2010/main" xmlns="" w="9525">
                   <a:solidFill>
                     <a:srgbClr val="000000"/>
                   </a:solidFill>
@@ -1715,7 +1715,7 @@
             </a:ln>
             <a:extLst>
               <a:ext uri="{91240B29-F687-4f45-9708-019B960494DF}">
-                <a14:hiddenLine xmlns="" xmlns:a14="http://schemas.microsoft.com/office/drawing/2010/main" w="9525">
+                <a14:hiddenLine xmlns:a14="http://schemas.microsoft.com/office/drawing/2010/main" xmlns="" w="9525">
                   <a:solidFill>
                     <a:srgbClr val="000000"/>
                   </a:solidFill>
@@ -1771,7 +1771,7 @@
             </a:ln>
             <a:extLst>
               <a:ext uri="{91240B29-F687-4f45-9708-019B960494DF}">
-                <a14:hiddenLine xmlns="" xmlns:a14="http://schemas.microsoft.com/office/drawing/2010/main" w="9525">
+                <a14:hiddenLine xmlns:a14="http://schemas.microsoft.com/office/drawing/2010/main" xmlns="" w="9525">
                   <a:solidFill>
                     <a:srgbClr val="000000"/>
                   </a:solidFill>
@@ -1861,7 +1861,7 @@
             </a:ln>
             <a:extLst>
               <a:ext uri="{91240B29-F687-4f45-9708-019B960494DF}">
-                <a14:hiddenLine xmlns="" xmlns:a14="http://schemas.microsoft.com/office/drawing/2010/main" w="9525">
+                <a14:hiddenLine xmlns:a14="http://schemas.microsoft.com/office/drawing/2010/main" xmlns="" w="9525">
                   <a:solidFill>
                     <a:srgbClr val="000000"/>
                   </a:solidFill>
@@ -1917,7 +1917,7 @@
             </a:ln>
             <a:extLst>
               <a:ext uri="{91240B29-F687-4f45-9708-019B960494DF}">
-                <a14:hiddenLine xmlns="" xmlns:a14="http://schemas.microsoft.com/office/drawing/2010/main" w="9525">
+                <a14:hiddenLine xmlns:a14="http://schemas.microsoft.com/office/drawing/2010/main" xmlns="" w="9525">
                   <a:solidFill>
                     <a:srgbClr val="000000"/>
                   </a:solidFill>
@@ -2007,7 +2007,7 @@
             </a:ln>
             <a:extLst>
               <a:ext uri="{91240B29-F687-4f45-9708-019B960494DF}">
-                <a14:hiddenLine xmlns="" xmlns:a14="http://schemas.microsoft.com/office/drawing/2010/main" w="9525">
+                <a14:hiddenLine xmlns:a14="http://schemas.microsoft.com/office/drawing/2010/main" xmlns="" w="9525">
                   <a:solidFill>
                     <a:srgbClr val="000000"/>
                   </a:solidFill>
@@ -2075,7 +2075,7 @@
             </a:ln>
             <a:extLst>
               <a:ext uri="{91240B29-F687-4f45-9708-019B960494DF}">
-                <a14:hiddenLine xmlns="" xmlns:a14="http://schemas.microsoft.com/office/drawing/2010/main" w="9525">
+                <a14:hiddenLine xmlns:a14="http://schemas.microsoft.com/office/drawing/2010/main" xmlns="" w="9525">
                   <a:solidFill>
                     <a:srgbClr val="000000"/>
                   </a:solidFill>
@@ -2165,7 +2165,7 @@
             </a:ln>
             <a:extLst>
               <a:ext uri="{91240B29-F687-4f45-9708-019B960494DF}">
-                <a14:hiddenLine xmlns="" xmlns:a14="http://schemas.microsoft.com/office/drawing/2010/main" w="9525">
+                <a14:hiddenLine xmlns:a14="http://schemas.microsoft.com/office/drawing/2010/main" xmlns="" w="9525">
                   <a:solidFill>
                     <a:srgbClr val="000000"/>
                   </a:solidFill>
@@ -2233,7 +2233,7 @@
             </a:ln>
             <a:extLst>
               <a:ext uri="{91240B29-F687-4f45-9708-019B960494DF}">
-                <a14:hiddenLine xmlns="" xmlns:a14="http://schemas.microsoft.com/office/drawing/2010/main" w="9525">
+                <a14:hiddenLine xmlns:a14="http://schemas.microsoft.com/office/drawing/2010/main" xmlns="" w="9525">
                   <a:solidFill>
                     <a:srgbClr val="000000"/>
                   </a:solidFill>
@@ -2323,7 +2323,7 @@
             </a:ln>
             <a:extLst>
               <a:ext uri="{91240B29-F687-4f45-9708-019B960494DF}">
-                <a14:hiddenLine xmlns="" xmlns:a14="http://schemas.microsoft.com/office/drawing/2010/main" w="9525">
+                <a14:hiddenLine xmlns:a14="http://schemas.microsoft.com/office/drawing/2010/main" xmlns="" w="9525">
                   <a:solidFill>
                     <a:srgbClr val="000000"/>
                   </a:solidFill>
@@ -2357,7 +2357,7 @@
             </a:ln>
             <a:extLst>
               <a:ext uri="{91240B29-F687-4f45-9708-019B960494DF}">
-                <a14:hiddenLine xmlns="" xmlns:a14="http://schemas.microsoft.com/office/drawing/2010/main" w="9525">
+                <a14:hiddenLine xmlns:a14="http://schemas.microsoft.com/office/drawing/2010/main" xmlns="" w="9525">
                   <a:solidFill>
                     <a:srgbClr val="000000"/>
                   </a:solidFill>
@@ -2447,7 +2447,7 @@
             </a:ln>
             <a:extLst>
               <a:ext uri="{91240B29-F687-4f45-9708-019B960494DF}">
-                <a14:hiddenLine xmlns="" xmlns:a14="http://schemas.microsoft.com/office/drawing/2010/main" w="9525">
+                <a14:hiddenLine xmlns:a14="http://schemas.microsoft.com/office/drawing/2010/main" xmlns="" w="9525">
                   <a:solidFill>
                     <a:srgbClr val="000000"/>
                   </a:solidFill>
@@ -2509,7 +2509,7 @@
             </a:ln>
             <a:extLst>
               <a:ext uri="{91240B29-F687-4f45-9708-019B960494DF}">
-                <a14:hiddenLine xmlns="" xmlns:a14="http://schemas.microsoft.com/office/drawing/2010/main" w="9525">
+                <a14:hiddenLine xmlns:a14="http://schemas.microsoft.com/office/drawing/2010/main" xmlns="" w="9525">
                   <a:solidFill>
                     <a:srgbClr val="000000"/>
                   </a:solidFill>
@@ -2571,7 +2571,7 @@
             </a:ln>
             <a:extLst>
               <a:ext uri="{91240B29-F687-4f45-9708-019B960494DF}">
-                <a14:hiddenLine xmlns="" xmlns:a14="http://schemas.microsoft.com/office/drawing/2010/main" w="9525">
+                <a14:hiddenLine xmlns:a14="http://schemas.microsoft.com/office/drawing/2010/main" xmlns="" w="9525">
                   <a:solidFill>
                     <a:srgbClr val="000000"/>
                   </a:solidFill>
@@ -2661,7 +2661,7 @@
             </a:ln>
             <a:extLst>
               <a:ext uri="{91240B29-F687-4f45-9708-019B960494DF}">
-                <a14:hiddenLine xmlns="" xmlns:a14="http://schemas.microsoft.com/office/drawing/2010/main" w="9525">
+                <a14:hiddenLine xmlns:a14="http://schemas.microsoft.com/office/drawing/2010/main" xmlns="" w="9525">
                   <a:solidFill>
                     <a:srgbClr val="000000"/>
                   </a:solidFill>
@@ -2729,7 +2729,7 @@
             </a:ln>
             <a:extLst>
               <a:ext uri="{91240B29-F687-4f45-9708-019B960494DF}">
-                <a14:hiddenLine xmlns="" xmlns:a14="http://schemas.microsoft.com/office/drawing/2010/main" w="9525">
+                <a14:hiddenLine xmlns:a14="http://schemas.microsoft.com/office/drawing/2010/main" xmlns="" w="9525">
                   <a:solidFill>
                     <a:srgbClr val="000000"/>
                   </a:solidFill>
@@ -2791,7 +2791,7 @@
             </a:ln>
             <a:extLst>
               <a:ext uri="{91240B29-F687-4f45-9708-019B960494DF}">
-                <a14:hiddenLine xmlns="" xmlns:a14="http://schemas.microsoft.com/office/drawing/2010/main" w="9525">
+                <a14:hiddenLine xmlns:a14="http://schemas.microsoft.com/office/drawing/2010/main" xmlns="" w="9525">
                   <a:solidFill>
                     <a:srgbClr val="000000"/>
                   </a:solidFill>
@@ -2881,7 +2881,7 @@
             </a:ln>
             <a:extLst>
               <a:ext uri="{91240B29-F687-4f45-9708-019B960494DF}">
-                <a14:hiddenLine xmlns="" xmlns:a14="http://schemas.microsoft.com/office/drawing/2010/main" w="9525">
+                <a14:hiddenLine xmlns:a14="http://schemas.microsoft.com/office/drawing/2010/main" xmlns="" w="9525">
                   <a:solidFill>
                     <a:srgbClr val="000000"/>
                   </a:solidFill>
@@ -2943,7 +2943,7 @@
             </a:ln>
             <a:extLst>
               <a:ext uri="{91240B29-F687-4f45-9708-019B960494DF}">
-                <a14:hiddenLine xmlns="" xmlns:a14="http://schemas.microsoft.com/office/drawing/2010/main" w="9525">
+                <a14:hiddenLine xmlns:a14="http://schemas.microsoft.com/office/drawing/2010/main" xmlns="" w="9525">
                   <a:solidFill>
                     <a:srgbClr val="000000"/>
                   </a:solidFill>
@@ -3033,7 +3033,7 @@
             </a:ln>
             <a:extLst>
               <a:ext uri="{91240B29-F687-4f45-9708-019B960494DF}">
-                <a14:hiddenLine xmlns="" xmlns:a14="http://schemas.microsoft.com/office/drawing/2010/main" w="9525">
+                <a14:hiddenLine xmlns:a14="http://schemas.microsoft.com/office/drawing/2010/main" xmlns="" w="9525">
                   <a:solidFill>
                     <a:srgbClr val="000000"/>
                   </a:solidFill>
@@ -3095,7 +3095,7 @@
             </a:ln>
             <a:extLst>
               <a:ext uri="{91240B29-F687-4f45-9708-019B960494DF}">
-                <a14:hiddenLine xmlns="" xmlns:a14="http://schemas.microsoft.com/office/drawing/2010/main" w="9525">
+                <a14:hiddenLine xmlns:a14="http://schemas.microsoft.com/office/drawing/2010/main" xmlns="" w="9525">
                   <a:solidFill>
                     <a:srgbClr val="000000"/>
                   </a:solidFill>
@@ -3185,7 +3185,7 @@
             </a:ln>
             <a:extLst>
               <a:ext uri="{91240B29-F687-4f45-9708-019B960494DF}">
-                <a14:hiddenLine xmlns="" xmlns:a14="http://schemas.microsoft.com/office/drawing/2010/main" w="9525">
+                <a14:hiddenLine xmlns:a14="http://schemas.microsoft.com/office/drawing/2010/main" xmlns="" w="9525">
                   <a:solidFill>
                     <a:srgbClr val="000000"/>
                   </a:solidFill>
@@ -3219,7 +3219,7 @@
             </a:ln>
             <a:extLst>
               <a:ext uri="{91240B29-F687-4f45-9708-019B960494DF}">
-                <a14:hiddenLine xmlns="" xmlns:a14="http://schemas.microsoft.com/office/drawing/2010/main" w="9525">
+                <a14:hiddenLine xmlns:a14="http://schemas.microsoft.com/office/drawing/2010/main" xmlns="" w="9525">
                   <a:solidFill>
                     <a:srgbClr val="000000"/>
                   </a:solidFill>
@@ -3284,7 +3284,7 @@
             </a:ln>
             <a:extLst>
               <a:ext uri="{91240B29-F687-4f45-9708-019B960494DF}">
-                <a14:hiddenLine xmlns="" xmlns:a14="http://schemas.microsoft.com/office/drawing/2010/main" w="9525">
+                <a14:hiddenLine xmlns:a14="http://schemas.microsoft.com/office/drawing/2010/main" xmlns="" w="9525">
                   <a:solidFill>
                     <a:srgbClr val="000000"/>
                   </a:solidFill>
@@ -3374,7 +3374,7 @@
             </a:ln>
             <a:extLst>
               <a:ext uri="{91240B29-F687-4f45-9708-019B960494DF}">
-                <a14:hiddenLine xmlns="" xmlns:a14="http://schemas.microsoft.com/office/drawing/2010/main" w="9525">
+                <a14:hiddenLine xmlns:a14="http://schemas.microsoft.com/office/drawing/2010/main" xmlns="" w="9525">
                   <a:solidFill>
                     <a:srgbClr val="000000"/>
                   </a:solidFill>
@@ -3436,7 +3436,7 @@
             </a:ln>
             <a:extLst>
               <a:ext uri="{91240B29-F687-4f45-9708-019B960494DF}">
-                <a14:hiddenLine xmlns="" xmlns:a14="http://schemas.microsoft.com/office/drawing/2010/main" w="9525">
+                <a14:hiddenLine xmlns:a14="http://schemas.microsoft.com/office/drawing/2010/main" xmlns="" w="9525">
                   <a:solidFill>
                     <a:srgbClr val="000000"/>
                   </a:solidFill>
@@ -3526,7 +3526,7 @@
             </a:ln>
             <a:extLst>
               <a:ext uri="{91240B29-F687-4f45-9708-019B960494DF}">
-                <a14:hiddenLine xmlns="" xmlns:a14="http://schemas.microsoft.com/office/drawing/2010/main" w="9525">
+                <a14:hiddenLine xmlns:a14="http://schemas.microsoft.com/office/drawing/2010/main" xmlns="" w="9525">
                   <a:solidFill>
                     <a:srgbClr val="000000"/>
                   </a:solidFill>
@@ -3616,7 +3616,7 @@
             </a:ln>
             <a:extLst>
               <a:ext uri="{91240B29-F687-4f45-9708-019B960494DF}">
-                <a14:hiddenLine xmlns="" xmlns:a14="http://schemas.microsoft.com/office/drawing/2010/main" w="9525">
+                <a14:hiddenLine xmlns:a14="http://schemas.microsoft.com/office/drawing/2010/main" xmlns="" w="9525">
                   <a:solidFill>
                     <a:srgbClr val="000000"/>
                   </a:solidFill>
@@ -3681,7 +3681,7 @@
             </a:ln>
             <a:extLst>
               <a:ext uri="{91240B29-F687-4f45-9708-019B960494DF}">
-                <a14:hiddenLine xmlns="" xmlns:a14="http://schemas.microsoft.com/office/drawing/2010/main" w="9525">
+                <a14:hiddenLine xmlns:a14="http://schemas.microsoft.com/office/drawing/2010/main" xmlns="" w="9525">
                   <a:solidFill>
                     <a:srgbClr val="000000"/>
                   </a:solidFill>
@@ -3743,7 +3743,7 @@
             </a:ln>
             <a:extLst>
               <a:ext uri="{91240B29-F687-4f45-9708-019B960494DF}">
-                <a14:hiddenLine xmlns="" xmlns:a14="http://schemas.microsoft.com/office/drawing/2010/main" w="9525">
+                <a14:hiddenLine xmlns:a14="http://schemas.microsoft.com/office/drawing/2010/main" xmlns="" w="9525">
                   <a:solidFill>
                     <a:srgbClr val="000000"/>
                   </a:solidFill>
@@ -3833,7 +3833,7 @@
             </a:ln>
             <a:extLst>
               <a:ext uri="{91240B29-F687-4f45-9708-019B960494DF}">
-                <a14:hiddenLine xmlns="" xmlns:a14="http://schemas.microsoft.com/office/drawing/2010/main" w="9525">
+                <a14:hiddenLine xmlns:a14="http://schemas.microsoft.com/office/drawing/2010/main" xmlns="" w="9525">
                   <a:solidFill>
                     <a:srgbClr val="000000"/>
                   </a:solidFill>
@@ -3923,7 +3923,7 @@
             </a:ln>
             <a:extLst>
               <a:ext uri="{91240B29-F687-4f45-9708-019B960494DF}">
-                <a14:hiddenLine xmlns="" xmlns:a14="http://schemas.microsoft.com/office/drawing/2010/main" w="9525">
+                <a14:hiddenLine xmlns:a14="http://schemas.microsoft.com/office/drawing/2010/main" xmlns="" w="9525">
                   <a:solidFill>
                     <a:srgbClr val="000000"/>
                   </a:solidFill>
@@ -3985,7 +3985,7 @@
             </a:ln>
             <a:extLst>
               <a:ext uri="{91240B29-F687-4f45-9708-019B960494DF}">
-                <a14:hiddenLine xmlns="" xmlns:a14="http://schemas.microsoft.com/office/drawing/2010/main" w="9525">
+                <a14:hiddenLine xmlns:a14="http://schemas.microsoft.com/office/drawing/2010/main" xmlns="" w="9525">
                   <a:solidFill>
                     <a:srgbClr val="000000"/>
                   </a:solidFill>
@@ -4105,7 +4105,7 @@
             </a:ln>
             <a:extLst>
               <a:ext uri="{91240B29-F687-4f45-9708-019B960494DF}">
-                <a14:hiddenLine xmlns="" xmlns:a14="http://schemas.microsoft.com/office/drawing/2010/main" w="9525">
+                <a14:hiddenLine xmlns:a14="http://schemas.microsoft.com/office/drawing/2010/main" xmlns="" w="9525">
                   <a:solidFill>
                     <a:srgbClr val="000000"/>
                   </a:solidFill>
@@ -4173,7 +4173,7 @@
             </a:ln>
             <a:extLst>
               <a:ext uri="{91240B29-F687-4f45-9708-019B960494DF}">
-                <a14:hiddenLine xmlns="" xmlns:a14="http://schemas.microsoft.com/office/drawing/2010/main" w="9525">
+                <a14:hiddenLine xmlns:a14="http://schemas.microsoft.com/office/drawing/2010/main" xmlns="" w="9525">
                   <a:solidFill>
                     <a:srgbClr val="000000"/>
                   </a:solidFill>
@@ -4263,7 +4263,7 @@
             </a:ln>
             <a:extLst>
               <a:ext uri="{91240B29-F687-4f45-9708-019B960494DF}">
-                <a14:hiddenLine xmlns="" xmlns:a14="http://schemas.microsoft.com/office/drawing/2010/main" w="9525">
+                <a14:hiddenLine xmlns:a14="http://schemas.microsoft.com/office/drawing/2010/main" xmlns="" w="9525">
                   <a:solidFill>
                     <a:srgbClr val="000000"/>
                   </a:solidFill>
@@ -4403,7 +4403,7 @@
           <a:p>
             <a:fld id="{48A87A34-81AB-432B-8DAE-1953F412C126}" type="datetimeFigureOut">
               <a:rPr lang="en-US" dirty="0"/>
-              <a:t>3/14/2018</a:t>
+              <a:t>3/16/2018</a:t>
             </a:fld>
             <a:endParaRPr lang="en-US" dirty="0"/>
           </a:p>
@@ -4665,7 +4665,7 @@
           <a:p>
             <a:fld id="{48A87A34-81AB-432B-8DAE-1953F412C126}" type="datetimeFigureOut">
               <a:rPr lang="en-US" dirty="0"/>
-              <a:t>3/14/2018</a:t>
+              <a:t>3/16/2018</a:t>
             </a:fld>
             <a:endParaRPr lang="en-US" dirty="0"/>
           </a:p>
@@ -4856,7 +4856,7 @@
           <a:p>
             <a:fld id="{48A87A34-81AB-432B-8DAE-1953F412C126}" type="datetimeFigureOut">
               <a:rPr lang="en-US" dirty="0"/>
-              <a:t>3/14/2018</a:t>
+              <a:t>3/16/2018</a:t>
             </a:fld>
             <a:endParaRPr lang="en-US" dirty="0"/>
           </a:p>
@@ -5114,7 +5114,7 @@
           <a:p>
             <a:fld id="{48A87A34-81AB-432B-8DAE-1953F412C126}" type="datetimeFigureOut">
               <a:rPr lang="en-US" dirty="0"/>
-              <a:t>3/14/2018</a:t>
+              <a:t>3/16/2018</a:t>
             </a:fld>
             <a:endParaRPr lang="en-US" dirty="0"/>
           </a:p>
@@ -5543,7 +5543,7 @@
           <a:p>
             <a:fld id="{48A87A34-81AB-432B-8DAE-1953F412C126}" type="datetimeFigureOut">
               <a:rPr lang="en-US" dirty="0"/>
-              <a:t>3/14/2018</a:t>
+              <a:t>3/16/2018</a:t>
             </a:fld>
             <a:endParaRPr lang="en-US" dirty="0"/>
           </a:p>
@@ -6084,7 +6084,7 @@
           <a:p>
             <a:fld id="{48A87A34-81AB-432B-8DAE-1953F412C126}" type="datetimeFigureOut">
               <a:rPr lang="en-US" dirty="0"/>
-              <a:t>3/14/2018</a:t>
+              <a:t>3/16/2018</a:t>
             </a:fld>
             <a:endParaRPr lang="en-US" dirty="0"/>
           </a:p>
@@ -6799,7 +6799,7 @@
           <a:p>
             <a:fld id="{48A87A34-81AB-432B-8DAE-1953F412C126}" type="datetimeFigureOut">
               <a:rPr lang="en-US" dirty="0"/>
-              <a:t>3/14/2018</a:t>
+              <a:t>3/16/2018</a:t>
             </a:fld>
             <a:endParaRPr lang="en-US" dirty="0"/>
           </a:p>
@@ -6964,7 +6964,7 @@
           <a:p>
             <a:fld id="{48A87A34-81AB-432B-8DAE-1953F412C126}" type="datetimeFigureOut">
               <a:rPr lang="en-US" dirty="0"/>
-              <a:t>3/14/2018</a:t>
+              <a:t>3/16/2018</a:t>
             </a:fld>
             <a:endParaRPr lang="en-US" dirty="0"/>
           </a:p>
@@ -7139,7 +7139,7 @@
           <a:p>
             <a:fld id="{48A87A34-81AB-432B-8DAE-1953F412C126}" type="datetimeFigureOut">
               <a:rPr lang="en-US" dirty="0"/>
-              <a:t>3/14/2018</a:t>
+              <a:t>3/16/2018</a:t>
             </a:fld>
             <a:endParaRPr lang="en-US" dirty="0"/>
           </a:p>
@@ -7304,7 +7304,7 @@
           <a:p>
             <a:fld id="{48A87A34-81AB-432B-8DAE-1953F412C126}" type="datetimeFigureOut">
               <a:rPr lang="en-US" dirty="0"/>
-              <a:t>3/14/2018</a:t>
+              <a:t>3/16/2018</a:t>
             </a:fld>
             <a:endParaRPr lang="en-US" dirty="0"/>
           </a:p>
@@ -7549,7 +7549,7 @@
           <a:p>
             <a:fld id="{48A87A34-81AB-432B-8DAE-1953F412C126}" type="datetimeFigureOut">
               <a:rPr lang="en-US" dirty="0"/>
-              <a:t>3/14/2018</a:t>
+              <a:t>3/16/2018</a:t>
             </a:fld>
             <a:endParaRPr lang="en-US" dirty="0"/>
           </a:p>
@@ -7776,7 +7776,7 @@
           <a:p>
             <a:fld id="{48A87A34-81AB-432B-8DAE-1953F412C126}" type="datetimeFigureOut">
               <a:rPr lang="en-US" dirty="0"/>
-              <a:t>3/14/2018</a:t>
+              <a:t>3/16/2018</a:t>
             </a:fld>
             <a:endParaRPr lang="en-US" dirty="0"/>
           </a:p>
@@ -8152,7 +8152,7 @@
           <a:p>
             <a:fld id="{48A87A34-81AB-432B-8DAE-1953F412C126}" type="datetimeFigureOut">
               <a:rPr lang="en-US" dirty="0"/>
-              <a:t>3/14/2018</a:t>
+              <a:t>3/16/2018</a:t>
             </a:fld>
             <a:endParaRPr lang="en-US" dirty="0"/>
           </a:p>
@@ -8265,7 +8265,7 @@
           <a:p>
             <a:fld id="{48A87A34-81AB-432B-8DAE-1953F412C126}" type="datetimeFigureOut">
               <a:rPr lang="en-US" dirty="0"/>
-              <a:t>3/14/2018</a:t>
+              <a:t>3/16/2018</a:t>
             </a:fld>
             <a:endParaRPr lang="en-US" dirty="0"/>
           </a:p>
@@ -8355,7 +8355,7 @@
           <a:p>
             <a:fld id="{48A87A34-81AB-432B-8DAE-1953F412C126}" type="datetimeFigureOut">
               <a:rPr lang="en-US" dirty="0"/>
-              <a:t>3/14/2018</a:t>
+              <a:t>3/16/2018</a:t>
             </a:fld>
             <a:endParaRPr lang="en-US" dirty="0"/>
           </a:p>
@@ -8599,7 +8599,7 @@
           <a:p>
             <a:fld id="{48A87A34-81AB-432B-8DAE-1953F412C126}" type="datetimeFigureOut">
               <a:rPr lang="en-US" dirty="0"/>
-              <a:t>3/14/2018</a:t>
+              <a:t>3/16/2018</a:t>
             </a:fld>
             <a:endParaRPr lang="en-US" dirty="0"/>
           </a:p>
@@ -8874,7 +8874,7 @@
           <a:p>
             <a:fld id="{48A87A34-81AB-432B-8DAE-1953F412C126}" type="datetimeFigureOut">
               <a:rPr lang="en-US" dirty="0"/>
-              <a:t>3/14/2018</a:t>
+              <a:t>3/16/2018</a:t>
             </a:fld>
             <a:endParaRPr lang="en-US" dirty="0"/>
           </a:p>
@@ -8992,7 +8992,7 @@
           <a:noFill/>
           <a:extLst>
             <a:ext uri="{909E8E84-426E-40dd-AFC4-6F175D3DCCD1}">
-              <a14:hiddenFill xmlns="" xmlns:a14="http://schemas.microsoft.com/office/drawing/2010/main">
+              <a14:hiddenFill xmlns:a14="http://schemas.microsoft.com/office/drawing/2010/main" xmlns="">
                 <a:solidFill>
                   <a:srgbClr val="FFFFFF"/>
                 </a:solidFill>
@@ -9066,7 +9066,7 @@
               </a:ln>
               <a:extLst>
                 <a:ext uri="{91240B29-F687-4f45-9708-019B960494DF}">
-                  <a14:hiddenLine xmlns="" xmlns:a14="http://schemas.microsoft.com/office/drawing/2010/main" w="9525">
+                  <a14:hiddenLine xmlns:a14="http://schemas.microsoft.com/office/drawing/2010/main" xmlns="" w="9525">
                     <a:solidFill>
                       <a:srgbClr val="000000"/>
                     </a:solidFill>
@@ -9156,7 +9156,7 @@
               </a:ln>
               <a:extLst>
                 <a:ext uri="{91240B29-F687-4f45-9708-019B960494DF}">
-                  <a14:hiddenLine xmlns="" xmlns:a14="http://schemas.microsoft.com/office/drawing/2010/main" w="9525">
+                  <a14:hiddenLine xmlns:a14="http://schemas.microsoft.com/office/drawing/2010/main" xmlns="" w="9525">
                     <a:solidFill>
                       <a:srgbClr val="000000"/>
                     </a:solidFill>
@@ -9246,7 +9246,7 @@
               </a:ln>
               <a:extLst>
                 <a:ext uri="{91240B29-F687-4f45-9708-019B960494DF}">
-                  <a14:hiddenLine xmlns="" xmlns:a14="http://schemas.microsoft.com/office/drawing/2010/main" w="9525">
+                  <a14:hiddenLine xmlns:a14="http://schemas.microsoft.com/office/drawing/2010/main" xmlns="" w="9525">
                     <a:solidFill>
                       <a:srgbClr val="000000"/>
                     </a:solidFill>
@@ -9308,7 +9308,7 @@
               </a:ln>
               <a:extLst>
                 <a:ext uri="{91240B29-F687-4f45-9708-019B960494DF}">
-                  <a14:hiddenLine xmlns="" xmlns:a14="http://schemas.microsoft.com/office/drawing/2010/main" w="9525">
+                  <a14:hiddenLine xmlns:a14="http://schemas.microsoft.com/office/drawing/2010/main" xmlns="" w="9525">
                     <a:solidFill>
                       <a:srgbClr val="000000"/>
                     </a:solidFill>
@@ -9398,7 +9398,7 @@
               </a:ln>
               <a:extLst>
                 <a:ext uri="{91240B29-F687-4f45-9708-019B960494DF}">
-                  <a14:hiddenLine xmlns="" xmlns:a14="http://schemas.microsoft.com/office/drawing/2010/main" w="9525">
+                  <a14:hiddenLine xmlns:a14="http://schemas.microsoft.com/office/drawing/2010/main" xmlns="" w="9525">
                     <a:solidFill>
                       <a:srgbClr val="000000"/>
                     </a:solidFill>
@@ -9460,7 +9460,7 @@
               </a:ln>
               <a:extLst>
                 <a:ext uri="{91240B29-F687-4f45-9708-019B960494DF}">
-                  <a14:hiddenLine xmlns="" xmlns:a14="http://schemas.microsoft.com/office/drawing/2010/main" w="9525">
+                  <a14:hiddenLine xmlns:a14="http://schemas.microsoft.com/office/drawing/2010/main" xmlns="" w="9525">
                     <a:solidFill>
                       <a:srgbClr val="000000"/>
                     </a:solidFill>
@@ -9522,7 +9522,7 @@
               </a:ln>
               <a:extLst>
                 <a:ext uri="{91240B29-F687-4f45-9708-019B960494DF}">
-                  <a14:hiddenLine xmlns="" xmlns:a14="http://schemas.microsoft.com/office/drawing/2010/main" w="9525">
+                  <a14:hiddenLine xmlns:a14="http://schemas.microsoft.com/office/drawing/2010/main" xmlns="" w="9525">
                     <a:solidFill>
                       <a:srgbClr val="000000"/>
                     </a:solidFill>
@@ -9612,7 +9612,7 @@
               </a:ln>
               <a:extLst>
                 <a:ext uri="{91240B29-F687-4f45-9708-019B960494DF}">
-                  <a14:hiddenLine xmlns="" xmlns:a14="http://schemas.microsoft.com/office/drawing/2010/main" w="9525">
+                  <a14:hiddenLine xmlns:a14="http://schemas.microsoft.com/office/drawing/2010/main" xmlns="" w="9525">
                     <a:solidFill>
                       <a:srgbClr val="000000"/>
                     </a:solidFill>
@@ -9702,7 +9702,7 @@
               </a:ln>
               <a:extLst>
                 <a:ext uri="{91240B29-F687-4f45-9708-019B960494DF}">
-                  <a14:hiddenLine xmlns="" xmlns:a14="http://schemas.microsoft.com/office/drawing/2010/main" w="9525">
+                  <a14:hiddenLine xmlns:a14="http://schemas.microsoft.com/office/drawing/2010/main" xmlns="" w="9525">
                     <a:solidFill>
                       <a:srgbClr val="000000"/>
                     </a:solidFill>
@@ -9764,7 +9764,7 @@
               </a:ln>
               <a:extLst>
                 <a:ext uri="{91240B29-F687-4f45-9708-019B960494DF}">
-                  <a14:hiddenLine xmlns="" xmlns:a14="http://schemas.microsoft.com/office/drawing/2010/main" w="9525">
+                  <a14:hiddenLine xmlns:a14="http://schemas.microsoft.com/office/drawing/2010/main" xmlns="" w="9525">
                     <a:solidFill>
                       <a:srgbClr val="000000"/>
                     </a:solidFill>
@@ -9874,7 +9874,7 @@
               </a:ln>
               <a:extLst>
                 <a:ext uri="{91240B29-F687-4f45-9708-019B960494DF}">
-                  <a14:hiddenLine xmlns="" xmlns:a14="http://schemas.microsoft.com/office/drawing/2010/main" w="9525">
+                  <a14:hiddenLine xmlns:a14="http://schemas.microsoft.com/office/drawing/2010/main" xmlns="" w="9525">
                     <a:solidFill>
                       <a:srgbClr val="000000"/>
                     </a:solidFill>
@@ -9958,7 +9958,7 @@
               </a:ln>
               <a:extLst>
                 <a:ext uri="{91240B29-F687-4f45-9708-019B960494DF}">
-                  <a14:hiddenLine xmlns="" xmlns:a14="http://schemas.microsoft.com/office/drawing/2010/main" w="9525">
+                  <a14:hiddenLine xmlns:a14="http://schemas.microsoft.com/office/drawing/2010/main" xmlns="" w="9525">
                     <a:solidFill>
                       <a:srgbClr val="000000"/>
                     </a:solidFill>
@@ -10020,7 +10020,7 @@
               </a:ln>
               <a:extLst>
                 <a:ext uri="{91240B29-F687-4f45-9708-019B960494DF}">
-                  <a14:hiddenLine xmlns="" xmlns:a14="http://schemas.microsoft.com/office/drawing/2010/main" w="9525">
+                  <a14:hiddenLine xmlns:a14="http://schemas.microsoft.com/office/drawing/2010/main" xmlns="" w="9525">
                     <a:solidFill>
                       <a:srgbClr val="000000"/>
                     </a:solidFill>
@@ -10082,7 +10082,7 @@
               </a:ln>
               <a:extLst>
                 <a:ext uri="{91240B29-F687-4f45-9708-019B960494DF}">
-                  <a14:hiddenLine xmlns="" xmlns:a14="http://schemas.microsoft.com/office/drawing/2010/main" w="9525">
+                  <a14:hiddenLine xmlns:a14="http://schemas.microsoft.com/office/drawing/2010/main" xmlns="" w="9525">
                     <a:solidFill>
                       <a:srgbClr val="000000"/>
                     </a:solidFill>
@@ -10172,7 +10172,7 @@
               </a:ln>
               <a:extLst>
                 <a:ext uri="{91240B29-F687-4f45-9708-019B960494DF}">
-                  <a14:hiddenLine xmlns="" xmlns:a14="http://schemas.microsoft.com/office/drawing/2010/main" w="9525">
+                  <a14:hiddenLine xmlns:a14="http://schemas.microsoft.com/office/drawing/2010/main" xmlns="" w="9525">
                     <a:solidFill>
                       <a:srgbClr val="000000"/>
                     </a:solidFill>
@@ -10206,7 +10206,7 @@
               </a:ln>
               <a:extLst>
                 <a:ext uri="{91240B29-F687-4f45-9708-019B960494DF}">
-                  <a14:hiddenLine xmlns="" xmlns:a14="http://schemas.microsoft.com/office/drawing/2010/main" w="9525">
+                  <a14:hiddenLine xmlns:a14="http://schemas.microsoft.com/office/drawing/2010/main" xmlns="" w="9525">
                     <a:solidFill>
                       <a:srgbClr val="000000"/>
                     </a:solidFill>
@@ -10271,7 +10271,7 @@
               </a:ln>
               <a:extLst>
                 <a:ext uri="{91240B29-F687-4f45-9708-019B960494DF}">
-                  <a14:hiddenLine xmlns="" xmlns:a14="http://schemas.microsoft.com/office/drawing/2010/main" w="9525">
+                  <a14:hiddenLine xmlns:a14="http://schemas.microsoft.com/office/drawing/2010/main" xmlns="" w="9525">
                     <a:solidFill>
                       <a:srgbClr val="000000"/>
                     </a:solidFill>
@@ -10361,7 +10361,7 @@
               </a:ln>
               <a:extLst>
                 <a:ext uri="{91240B29-F687-4f45-9708-019B960494DF}">
-                  <a14:hiddenLine xmlns="" xmlns:a14="http://schemas.microsoft.com/office/drawing/2010/main" w="9525">
+                  <a14:hiddenLine xmlns:a14="http://schemas.microsoft.com/office/drawing/2010/main" xmlns="" w="9525">
                     <a:solidFill>
                       <a:srgbClr val="000000"/>
                     </a:solidFill>
@@ -10423,7 +10423,7 @@
               </a:ln>
               <a:extLst>
                 <a:ext uri="{91240B29-F687-4f45-9708-019B960494DF}">
-                  <a14:hiddenLine xmlns="" xmlns:a14="http://schemas.microsoft.com/office/drawing/2010/main" w="9525">
+                  <a14:hiddenLine xmlns:a14="http://schemas.microsoft.com/office/drawing/2010/main" xmlns="" w="9525">
                     <a:solidFill>
                       <a:srgbClr val="000000"/>
                     </a:solidFill>
@@ -10513,7 +10513,7 @@
               </a:ln>
               <a:extLst>
                 <a:ext uri="{91240B29-F687-4f45-9708-019B960494DF}">
-                  <a14:hiddenLine xmlns="" xmlns:a14="http://schemas.microsoft.com/office/drawing/2010/main" w="9525">
+                  <a14:hiddenLine xmlns:a14="http://schemas.microsoft.com/office/drawing/2010/main" xmlns="" w="9525">
                     <a:solidFill>
                       <a:srgbClr val="000000"/>
                     </a:solidFill>
@@ -10578,7 +10578,7 @@
               </a:ln>
               <a:extLst>
                 <a:ext uri="{91240B29-F687-4f45-9708-019B960494DF}">
-                  <a14:hiddenLine xmlns="" xmlns:a14="http://schemas.microsoft.com/office/drawing/2010/main" w="9525">
+                  <a14:hiddenLine xmlns:a14="http://schemas.microsoft.com/office/drawing/2010/main" xmlns="" w="9525">
                     <a:solidFill>
                       <a:srgbClr val="000000"/>
                     </a:solidFill>
@@ -10640,7 +10640,7 @@
               </a:ln>
               <a:extLst>
                 <a:ext uri="{91240B29-F687-4f45-9708-019B960494DF}">
-                  <a14:hiddenLine xmlns="" xmlns:a14="http://schemas.microsoft.com/office/drawing/2010/main" w="9525">
+                  <a14:hiddenLine xmlns:a14="http://schemas.microsoft.com/office/drawing/2010/main" xmlns="" w="9525">
                     <a:solidFill>
                       <a:srgbClr val="000000"/>
                     </a:solidFill>
@@ -10730,7 +10730,7 @@
               </a:ln>
               <a:extLst>
                 <a:ext uri="{91240B29-F687-4f45-9708-019B960494DF}">
-                  <a14:hiddenLine xmlns="" xmlns:a14="http://schemas.microsoft.com/office/drawing/2010/main" w="9525">
+                  <a14:hiddenLine xmlns:a14="http://schemas.microsoft.com/office/drawing/2010/main" xmlns="" w="9525">
                     <a:solidFill>
                       <a:srgbClr val="000000"/>
                     </a:solidFill>
@@ -10820,7 +10820,7 @@
               </a:ln>
               <a:extLst>
                 <a:ext uri="{91240B29-F687-4f45-9708-019B960494DF}">
-                  <a14:hiddenLine xmlns="" xmlns:a14="http://schemas.microsoft.com/office/drawing/2010/main" w="9525">
+                  <a14:hiddenLine xmlns:a14="http://schemas.microsoft.com/office/drawing/2010/main" xmlns="" w="9525">
                     <a:solidFill>
                       <a:srgbClr val="000000"/>
                     </a:solidFill>
@@ -10885,7 +10885,7 @@
               </a:ln>
               <a:extLst>
                 <a:ext uri="{91240B29-F687-4f45-9708-019B960494DF}">
-                  <a14:hiddenLine xmlns="" xmlns:a14="http://schemas.microsoft.com/office/drawing/2010/main" w="9525">
+                  <a14:hiddenLine xmlns:a14="http://schemas.microsoft.com/office/drawing/2010/main" xmlns="" w="9525">
                     <a:solidFill>
                       <a:srgbClr val="000000"/>
                     </a:solidFill>
@@ -11005,7 +11005,7 @@
               </a:ln>
               <a:extLst>
                 <a:ext uri="{91240B29-F687-4f45-9708-019B960494DF}">
-                  <a14:hiddenLine xmlns="" xmlns:a14="http://schemas.microsoft.com/office/drawing/2010/main" w="9525">
+                  <a14:hiddenLine xmlns:a14="http://schemas.microsoft.com/office/drawing/2010/main" xmlns="" w="9525">
                     <a:solidFill>
                       <a:srgbClr val="000000"/>
                     </a:solidFill>
@@ -11086,7 +11086,7 @@
               </a:ln>
               <a:extLst>
                 <a:ext uri="{91240B29-F687-4f45-9708-019B960494DF}">
-                  <a14:hiddenLine xmlns="" xmlns:a14="http://schemas.microsoft.com/office/drawing/2010/main" w="9525">
+                  <a14:hiddenLine xmlns:a14="http://schemas.microsoft.com/office/drawing/2010/main" xmlns="" w="9525">
                     <a:solidFill>
                       <a:srgbClr val="000000"/>
                     </a:solidFill>
@@ -11201,7 +11201,7 @@
               </a:ln>
               <a:extLst>
                 <a:ext uri="{91240B29-F687-4f45-9708-019B960494DF}">
-                  <a14:hiddenLine xmlns="" xmlns:a14="http://schemas.microsoft.com/office/drawing/2010/main" w="9525">
+                  <a14:hiddenLine xmlns:a14="http://schemas.microsoft.com/office/drawing/2010/main" xmlns="" w="9525">
                     <a:solidFill>
                       <a:srgbClr val="000000"/>
                     </a:solidFill>
@@ -11291,7 +11291,7 @@
               </a:ln>
               <a:extLst>
                 <a:ext uri="{91240B29-F687-4f45-9708-019B960494DF}">
-                  <a14:hiddenLine xmlns="" xmlns:a14="http://schemas.microsoft.com/office/drawing/2010/main" w="9525">
+                  <a14:hiddenLine xmlns:a14="http://schemas.microsoft.com/office/drawing/2010/main" xmlns="" w="9525">
                     <a:solidFill>
                       <a:srgbClr val="000000"/>
                     </a:solidFill>
@@ -11356,7 +11356,7 @@
               </a:ln>
               <a:extLst>
                 <a:ext uri="{91240B29-F687-4f45-9708-019B960494DF}">
-                  <a14:hiddenLine xmlns="" xmlns:a14="http://schemas.microsoft.com/office/drawing/2010/main" w="9525">
+                  <a14:hiddenLine xmlns:a14="http://schemas.microsoft.com/office/drawing/2010/main" xmlns="" w="9525">
                     <a:solidFill>
                       <a:srgbClr val="000000"/>
                     </a:solidFill>
@@ -11446,7 +11446,7 @@
               </a:ln>
               <a:extLst>
                 <a:ext uri="{91240B29-F687-4f45-9708-019B960494DF}">
-                  <a14:hiddenLine xmlns="" xmlns:a14="http://schemas.microsoft.com/office/drawing/2010/main" w="9525">
+                  <a14:hiddenLine xmlns:a14="http://schemas.microsoft.com/office/drawing/2010/main" xmlns="" w="9525">
                     <a:solidFill>
                       <a:srgbClr val="000000"/>
                     </a:solidFill>
@@ -11514,7 +11514,7 @@
               </a:ln>
               <a:extLst>
                 <a:ext uri="{91240B29-F687-4f45-9708-019B960494DF}">
-                  <a14:hiddenLine xmlns="" xmlns:a14="http://schemas.microsoft.com/office/drawing/2010/main" w="9525">
+                  <a14:hiddenLine xmlns:a14="http://schemas.microsoft.com/office/drawing/2010/main" xmlns="" w="9525">
                     <a:solidFill>
                       <a:srgbClr val="000000"/>
                     </a:solidFill>
@@ -11604,7 +11604,7 @@
               </a:ln>
               <a:extLst>
                 <a:ext uri="{91240B29-F687-4f45-9708-019B960494DF}">
-                  <a14:hiddenLine xmlns="" xmlns:a14="http://schemas.microsoft.com/office/drawing/2010/main" w="9525">
+                  <a14:hiddenLine xmlns:a14="http://schemas.microsoft.com/office/drawing/2010/main" xmlns="" w="9525">
                     <a:solidFill>
                       <a:srgbClr val="000000"/>
                     </a:solidFill>
@@ -11672,7 +11672,7 @@
               </a:ln>
               <a:extLst>
                 <a:ext uri="{91240B29-F687-4f45-9708-019B960494DF}">
-                  <a14:hiddenLine xmlns="" xmlns:a14="http://schemas.microsoft.com/office/drawing/2010/main" w="9525">
+                  <a14:hiddenLine xmlns:a14="http://schemas.microsoft.com/office/drawing/2010/main" xmlns="" w="9525">
                     <a:solidFill>
                       <a:srgbClr val="000000"/>
                     </a:solidFill>
@@ -11762,7 +11762,7 @@
               </a:ln>
               <a:extLst>
                 <a:ext uri="{91240B29-F687-4f45-9708-019B960494DF}">
-                  <a14:hiddenLine xmlns="" xmlns:a14="http://schemas.microsoft.com/office/drawing/2010/main" w="9525">
+                  <a14:hiddenLine xmlns:a14="http://schemas.microsoft.com/office/drawing/2010/main" xmlns="" w="9525">
                     <a:solidFill>
                       <a:srgbClr val="000000"/>
                     </a:solidFill>
@@ -11796,7 +11796,7 @@
               </a:ln>
               <a:extLst>
                 <a:ext uri="{91240B29-F687-4f45-9708-019B960494DF}">
-                  <a14:hiddenLine xmlns="" xmlns:a14="http://schemas.microsoft.com/office/drawing/2010/main" w="9525">
+                  <a14:hiddenLine xmlns:a14="http://schemas.microsoft.com/office/drawing/2010/main" xmlns="" w="9525">
                     <a:solidFill>
                       <a:srgbClr val="000000"/>
                     </a:solidFill>
@@ -11937,7 +11937,7 @@
             <a:fld id="{48A87A34-81AB-432B-8DAE-1953F412C126}" type="datetimeFigureOut">
               <a:rPr lang="en-US" dirty="0"/>
               <a:pPr/>
-              <a:t>3/14/2018</a:t>
+              <a:t>3/16/2018</a:t>
             </a:fld>
             <a:endParaRPr lang="en-US" dirty="0"/>
           </a:p>
@@ -12371,7 +12371,7 @@
         </p:nvSpPr>
         <p:spPr>
           <a:xfrm>
-            <a:off x="2818533" y="2396315"/>
+            <a:off x="4114850" y="2344798"/>
             <a:ext cx="5674303" cy="1232303"/>
           </a:xfrm>
         </p:spPr>
@@ -12379,6 +12379,7 @@
           <a:bodyPr/>
           <a:lstStyle/>
           <a:p>
+            <a:pPr algn="r"/>
             <a:r>
               <a:rPr lang="en-US" dirty="0"/>
               <a:t>Computer vision</a:t>
@@ -12395,40 +12396,6 @@
               <a:t>opencv</a:t>
             </a:r>
             <a:endParaRPr lang="en-US" sz="2400" dirty="0"/>
-          </a:p>
-        </p:txBody>
-      </p:sp>
-      <p:sp>
-        <p:nvSpPr>
-          <p:cNvPr id="3" name="Subtitle 2">
-            <a:extLst>
-              <a:ext uri="{FF2B5EF4-FFF2-40B4-BE49-F238E27FC236}">
-                <a16:creationId xmlns:a16="http://schemas.microsoft.com/office/drawing/2014/main" id="{29B2D629-C704-4A4C-AEE9-62B55B4DEEEA}"/>
-              </a:ext>
-            </a:extLst>
-          </p:cNvPr>
-          <p:cNvSpPr>
-            <a:spLocks noGrp="1"/>
-          </p:cNvSpPr>
-          <p:nvPr>
-            <p:ph type="subTitle" idx="1"/>
-          </p:nvPr>
-        </p:nvSpPr>
-        <p:spPr>
-          <a:xfrm>
-            <a:off x="6691745" y="5631494"/>
-            <a:ext cx="3782289" cy="630761"/>
-          </a:xfrm>
-        </p:spPr>
-        <p:txBody>
-          <a:bodyPr/>
-          <a:lstStyle/>
-          <a:p>
-            <a:pPr algn="r"/>
-            <a:r>
-              <a:rPr lang="en-US" dirty="0"/>
-              <a:t>By Free knowledge mission</a:t>
-            </a:r>
           </a:p>
         </p:txBody>
       </p:sp>
@@ -12454,8 +12421,38 @@
         </p:blipFill>
         <p:spPr>
           <a:xfrm>
-            <a:off x="7560147" y="2721521"/>
+            <a:off x="2936194" y="3012464"/>
             <a:ext cx="2357312" cy="2903423"/>
+          </a:xfrm>
+          <a:prstGeom prst="rect">
+            <a:avLst/>
+          </a:prstGeom>
+        </p:spPr>
+      </p:pic>
+      <p:pic>
+        <p:nvPicPr>
+          <p:cNvPr id="6" name="Picture 5">
+            <a:extLst>
+              <a:ext uri="{FF2B5EF4-FFF2-40B4-BE49-F238E27FC236}">
+                <a16:creationId xmlns:a16="http://schemas.microsoft.com/office/drawing/2014/main" id="{A403C033-BBCA-4716-8A50-74F11A7F927F}"/>
+              </a:ext>
+            </a:extLst>
+          </p:cNvPr>
+          <p:cNvPicPr>
+            <a:picLocks noChangeAspect="1"/>
+          </p:cNvPicPr>
+          <p:nvPr/>
+        </p:nvPicPr>
+        <p:blipFill>
+          <a:blip r:embed="rId3"/>
+          <a:stretch>
+            <a:fillRect/>
+          </a:stretch>
+        </p:blipFill>
+        <p:spPr>
+          <a:xfrm>
+            <a:off x="8313561" y="615369"/>
+            <a:ext cx="1428750" cy="1428750"/>
           </a:xfrm>
           <a:prstGeom prst="rect">
             <a:avLst/>
